--- a/Java8Features.pptx
+++ b/Java8Features.pptx
@@ -4,22 +4,22 @@
   <p:sldMasterIdLst>
     <p:sldMasterId id="2147483648" r:id="rId2"/>
     <p:sldMasterId id="2147483661" r:id="rId3"/>
-    <p:sldMasterId id="2147483674" r:id="rId4"/>
   </p:sldMasterIdLst>
   <p:sldIdLst>
-    <p:sldId id="256" r:id="rId5"/>
-    <p:sldId id="257" r:id="rId6"/>
-    <p:sldId id="258" r:id="rId7"/>
-    <p:sldId id="259" r:id="rId8"/>
-    <p:sldId id="260" r:id="rId9"/>
-    <p:sldId id="261" r:id="rId10"/>
-    <p:sldId id="262" r:id="rId11"/>
-    <p:sldId id="263" r:id="rId12"/>
-    <p:sldId id="264" r:id="rId13"/>
-    <p:sldId id="265" r:id="rId14"/>
-    <p:sldId id="266" r:id="rId15"/>
-    <p:sldId id="267" r:id="rId16"/>
-    <p:sldId id="268" r:id="rId17"/>
+    <p:sldId id="256" r:id="rId4"/>
+    <p:sldId id="257" r:id="rId5"/>
+    <p:sldId id="258" r:id="rId6"/>
+    <p:sldId id="259" r:id="rId7"/>
+    <p:sldId id="260" r:id="rId8"/>
+    <p:sldId id="261" r:id="rId9"/>
+    <p:sldId id="262" r:id="rId10"/>
+    <p:sldId id="263" r:id="rId11"/>
+    <p:sldId id="264" r:id="rId12"/>
+    <p:sldId id="265" r:id="rId13"/>
+    <p:sldId id="266" r:id="rId14"/>
+    <p:sldId id="267" r:id="rId15"/>
+    <p:sldId id="268" r:id="rId16"/>
+    <p:sldId id="269" r:id="rId17"/>
   </p:sldIdLst>
   <p:sldSz cx="9144000" cy="5143500"/>
   <p:notesSz cx="7559675" cy="10691812"/>
@@ -2007,361 +2007,6 @@
 </p:sldLayout>
 </file>
 
-<file path=ppt/slideLayouts/slideLayout25.xml><?xml version="1.0" encoding="utf-8"?>
-<p:sldLayout xmlns:a="http://schemas.openxmlformats.org/drawingml/2006/main" xmlns:p="http://schemas.openxmlformats.org/presentationml/2006/main" xmlns:r="http://schemas.openxmlformats.org/officeDocument/2006/relationships" xmlns:p14="http://schemas.microsoft.com/office/powerpoint/2010/main" xmlns:p15="http://schemas.microsoft.com/office/powerpoint/2012/main" xmlns:mc="http://schemas.openxmlformats.org/markup-compatibility/2006" type="blank" preserve="1">
-  <p:cSld name="Blank Slide">
-    <p:spTree>
-      <p:nvGrpSpPr>
-        <p:cNvPr id="1" name=""/>
-        <p:cNvGrpSpPr/>
-        <p:nvPr/>
-      </p:nvGrpSpPr>
-      <p:grpSpPr>
-        <a:xfrm>
-          <a:off x="0" y="0"/>
-          <a:ext cx="0" cy="0"/>
-          <a:chOff x="0" y="0"/>
-          <a:chExt cx="0" cy="0"/>
-        </a:xfrm>
-      </p:grpSpPr>
-    </p:spTree>
-  </p:cSld>
-</p:sldLayout>
-</file>
-
-<file path=ppt/slideLayouts/slideLayout26.xml><?xml version="1.0" encoding="utf-8"?>
-<p:sldLayout xmlns:a="http://schemas.openxmlformats.org/drawingml/2006/main" xmlns:p="http://schemas.openxmlformats.org/presentationml/2006/main" xmlns:r="http://schemas.openxmlformats.org/officeDocument/2006/relationships" xmlns:p14="http://schemas.microsoft.com/office/powerpoint/2010/main" xmlns:p15="http://schemas.microsoft.com/office/powerpoint/2012/main" xmlns:mc="http://schemas.openxmlformats.org/markup-compatibility/2006" type="tx" preserve="1">
-  <p:cSld name="Title Slide">
-    <p:spTree>
-      <p:nvGrpSpPr>
-        <p:cNvPr id="1" name=""/>
-        <p:cNvGrpSpPr/>
-        <p:nvPr/>
-      </p:nvGrpSpPr>
-      <p:grpSpPr>
-        <a:xfrm>
-          <a:off x="0" y="0"/>
-          <a:ext cx="0" cy="0"/>
-          <a:chOff x="0" y="0"/>
-          <a:chExt cx="0" cy="0"/>
-        </a:xfrm>
-      </p:grpSpPr>
-      <p:sp>
-        <p:nvSpPr>
-          <p:cNvPr id="89" name="PlaceHolder 1"/>
-          <p:cNvSpPr>
-            <a:spLocks noGrp="1"/>
-          </p:cNvSpPr>
-          <p:nvPr>
-            <p:ph type="title"/>
-          </p:nvPr>
-        </p:nvSpPr>
-        <p:spPr>
-          <a:xfrm>
-            <a:off x="457200" y="205200"/>
-            <a:ext cx="8229240" cy="858600"/>
-          </a:xfrm>
-          <a:prstGeom prst="rect">
-            <a:avLst/>
-          </a:prstGeom>
-        </p:spPr>
-        <p:txBody>
-          <a:bodyPr lIns="0" rIns="0" tIns="0" bIns="0" anchor="ctr">
-            <a:noAutofit/>
-          </a:bodyPr>
-          <a:p>
-            <a:pPr algn="ctr"/>
-            <a:endParaRPr b="0" lang="en-IN" sz="4400" spc="-1" strike="noStrike">
-              <a:latin typeface="Arial"/>
-            </a:endParaRPr>
-          </a:p>
-        </p:txBody>
-      </p:sp>
-      <p:sp>
-        <p:nvSpPr>
-          <p:cNvPr id="90" name="PlaceHolder 2"/>
-          <p:cNvSpPr>
-            <a:spLocks noGrp="1"/>
-          </p:cNvSpPr>
-          <p:nvPr>
-            <p:ph type="subTitle"/>
-          </p:nvPr>
-        </p:nvSpPr>
-        <p:spPr>
-          <a:xfrm>
-            <a:off x="457200" y="1203480"/>
-            <a:ext cx="8229240" cy="2982960"/>
-          </a:xfrm>
-          <a:prstGeom prst="rect">
-            <a:avLst/>
-          </a:prstGeom>
-        </p:spPr>
-        <p:txBody>
-          <a:bodyPr lIns="0" rIns="0" tIns="0" bIns="0" anchor="ctr">
-            <a:noAutofit/>
-          </a:bodyPr>
-          <a:p>
-            <a:pPr algn="ctr"/>
-            <a:endParaRPr b="0" lang="en-IN" sz="3200" spc="-1" strike="noStrike">
-              <a:latin typeface="Arial"/>
-            </a:endParaRPr>
-          </a:p>
-        </p:txBody>
-      </p:sp>
-    </p:spTree>
-  </p:cSld>
-</p:sldLayout>
-</file>
-
-<file path=ppt/slideLayouts/slideLayout27.xml><?xml version="1.0" encoding="utf-8"?>
-<p:sldLayout xmlns:a="http://schemas.openxmlformats.org/drawingml/2006/main" xmlns:p="http://schemas.openxmlformats.org/presentationml/2006/main" xmlns:r="http://schemas.openxmlformats.org/officeDocument/2006/relationships" xmlns:p14="http://schemas.microsoft.com/office/powerpoint/2010/main" xmlns:p15="http://schemas.microsoft.com/office/powerpoint/2012/main" xmlns:mc="http://schemas.openxmlformats.org/markup-compatibility/2006" type="obj" preserve="1">
-  <p:cSld name="Title, Content">
-    <p:spTree>
-      <p:nvGrpSpPr>
-        <p:cNvPr id="1" name=""/>
-        <p:cNvGrpSpPr/>
-        <p:nvPr/>
-      </p:nvGrpSpPr>
-      <p:grpSpPr>
-        <a:xfrm>
-          <a:off x="0" y="0"/>
-          <a:ext cx="0" cy="0"/>
-          <a:chOff x="0" y="0"/>
-          <a:chExt cx="0" cy="0"/>
-        </a:xfrm>
-      </p:grpSpPr>
-      <p:sp>
-        <p:nvSpPr>
-          <p:cNvPr id="91" name="PlaceHolder 1"/>
-          <p:cNvSpPr>
-            <a:spLocks noGrp="1"/>
-          </p:cNvSpPr>
-          <p:nvPr>
-            <p:ph type="title"/>
-          </p:nvPr>
-        </p:nvSpPr>
-        <p:spPr>
-          <a:xfrm>
-            <a:off x="457200" y="205200"/>
-            <a:ext cx="8229240" cy="858600"/>
-          </a:xfrm>
-          <a:prstGeom prst="rect">
-            <a:avLst/>
-          </a:prstGeom>
-        </p:spPr>
-        <p:txBody>
-          <a:bodyPr lIns="0" rIns="0" tIns="0" bIns="0" anchor="ctr">
-            <a:noAutofit/>
-          </a:bodyPr>
-          <a:p>
-            <a:pPr algn="ctr"/>
-            <a:endParaRPr b="0" lang="en-IN" sz="4400" spc="-1" strike="noStrike">
-              <a:latin typeface="Arial"/>
-            </a:endParaRPr>
-          </a:p>
-        </p:txBody>
-      </p:sp>
-      <p:sp>
-        <p:nvSpPr>
-          <p:cNvPr id="92" name="PlaceHolder 2"/>
-          <p:cNvSpPr>
-            <a:spLocks noGrp="1"/>
-          </p:cNvSpPr>
-          <p:nvPr>
-            <p:ph type="body"/>
-          </p:nvPr>
-        </p:nvSpPr>
-        <p:spPr>
-          <a:xfrm>
-            <a:off x="457200" y="1203480"/>
-            <a:ext cx="8229240" cy="2982960"/>
-          </a:xfrm>
-          <a:prstGeom prst="rect">
-            <a:avLst/>
-          </a:prstGeom>
-        </p:spPr>
-        <p:txBody>
-          <a:bodyPr lIns="0" rIns="0" tIns="0" bIns="0">
-            <a:normAutofit/>
-          </a:bodyPr>
-          <a:p>
-            <a:endParaRPr b="0" lang="en-IN" sz="3200" spc="-1" strike="noStrike">
-              <a:latin typeface="Arial"/>
-            </a:endParaRPr>
-          </a:p>
-        </p:txBody>
-      </p:sp>
-    </p:spTree>
-  </p:cSld>
-</p:sldLayout>
-</file>
-
-<file path=ppt/slideLayouts/slideLayout28.xml><?xml version="1.0" encoding="utf-8"?>
-<p:sldLayout xmlns:a="http://schemas.openxmlformats.org/drawingml/2006/main" xmlns:p="http://schemas.openxmlformats.org/presentationml/2006/main" xmlns:r="http://schemas.openxmlformats.org/officeDocument/2006/relationships" xmlns:p14="http://schemas.microsoft.com/office/powerpoint/2010/main" xmlns:p15="http://schemas.microsoft.com/office/powerpoint/2012/main" xmlns:mc="http://schemas.openxmlformats.org/markup-compatibility/2006" type="twoObj" preserve="1">
-  <p:cSld name="Title, 2 Content">
-    <p:spTree>
-      <p:nvGrpSpPr>
-        <p:cNvPr id="1" name=""/>
-        <p:cNvGrpSpPr/>
-        <p:nvPr/>
-      </p:nvGrpSpPr>
-      <p:grpSpPr>
-        <a:xfrm>
-          <a:off x="0" y="0"/>
-          <a:ext cx="0" cy="0"/>
-          <a:chOff x="0" y="0"/>
-          <a:chExt cx="0" cy="0"/>
-        </a:xfrm>
-      </p:grpSpPr>
-      <p:sp>
-        <p:nvSpPr>
-          <p:cNvPr id="93" name="PlaceHolder 1"/>
-          <p:cNvSpPr>
-            <a:spLocks noGrp="1"/>
-          </p:cNvSpPr>
-          <p:nvPr>
-            <p:ph type="title"/>
-          </p:nvPr>
-        </p:nvSpPr>
-        <p:spPr>
-          <a:xfrm>
-            <a:off x="457200" y="205200"/>
-            <a:ext cx="8229240" cy="858600"/>
-          </a:xfrm>
-          <a:prstGeom prst="rect">
-            <a:avLst/>
-          </a:prstGeom>
-        </p:spPr>
-        <p:txBody>
-          <a:bodyPr lIns="0" rIns="0" tIns="0" bIns="0" anchor="ctr">
-            <a:noAutofit/>
-          </a:bodyPr>
-          <a:p>
-            <a:pPr algn="ctr"/>
-            <a:endParaRPr b="0" lang="en-IN" sz="4400" spc="-1" strike="noStrike">
-              <a:latin typeface="Arial"/>
-            </a:endParaRPr>
-          </a:p>
-        </p:txBody>
-      </p:sp>
-      <p:sp>
-        <p:nvSpPr>
-          <p:cNvPr id="94" name="PlaceHolder 2"/>
-          <p:cNvSpPr>
-            <a:spLocks noGrp="1"/>
-          </p:cNvSpPr>
-          <p:nvPr>
-            <p:ph type="body"/>
-          </p:nvPr>
-        </p:nvSpPr>
-        <p:spPr>
-          <a:xfrm>
-            <a:off x="457200" y="1203480"/>
-            <a:ext cx="4015800" cy="2982960"/>
-          </a:xfrm>
-          <a:prstGeom prst="rect">
-            <a:avLst/>
-          </a:prstGeom>
-        </p:spPr>
-        <p:txBody>
-          <a:bodyPr lIns="0" rIns="0" tIns="0" bIns="0">
-            <a:normAutofit/>
-          </a:bodyPr>
-          <a:p>
-            <a:endParaRPr b="0" lang="en-IN" sz="3200" spc="-1" strike="noStrike">
-              <a:latin typeface="Arial"/>
-            </a:endParaRPr>
-          </a:p>
-        </p:txBody>
-      </p:sp>
-      <p:sp>
-        <p:nvSpPr>
-          <p:cNvPr id="95" name="PlaceHolder 3"/>
-          <p:cNvSpPr>
-            <a:spLocks noGrp="1"/>
-          </p:cNvSpPr>
-          <p:nvPr>
-            <p:ph type="body"/>
-          </p:nvPr>
-        </p:nvSpPr>
-        <p:spPr>
-          <a:xfrm>
-            <a:off x="4674240" y="1203480"/>
-            <a:ext cx="4015800" cy="2982960"/>
-          </a:xfrm>
-          <a:prstGeom prst="rect">
-            <a:avLst/>
-          </a:prstGeom>
-        </p:spPr>
-        <p:txBody>
-          <a:bodyPr lIns="0" rIns="0" tIns="0" bIns="0">
-            <a:normAutofit/>
-          </a:bodyPr>
-          <a:p>
-            <a:endParaRPr b="0" lang="en-IN" sz="3200" spc="-1" strike="noStrike">
-              <a:latin typeface="Arial"/>
-            </a:endParaRPr>
-          </a:p>
-        </p:txBody>
-      </p:sp>
-    </p:spTree>
-  </p:cSld>
-</p:sldLayout>
-</file>
-
-<file path=ppt/slideLayouts/slideLayout29.xml><?xml version="1.0" encoding="utf-8"?>
-<p:sldLayout xmlns:a="http://schemas.openxmlformats.org/drawingml/2006/main" xmlns:p="http://schemas.openxmlformats.org/presentationml/2006/main" xmlns:r="http://schemas.openxmlformats.org/officeDocument/2006/relationships" xmlns:p14="http://schemas.microsoft.com/office/powerpoint/2010/main" xmlns:p15="http://schemas.microsoft.com/office/powerpoint/2012/main" xmlns:mc="http://schemas.openxmlformats.org/markup-compatibility/2006" type="titleOnly" preserve="1">
-  <p:cSld name="Title Only">
-    <p:spTree>
-      <p:nvGrpSpPr>
-        <p:cNvPr id="1" name=""/>
-        <p:cNvGrpSpPr/>
-        <p:nvPr/>
-      </p:nvGrpSpPr>
-      <p:grpSpPr>
-        <a:xfrm>
-          <a:off x="0" y="0"/>
-          <a:ext cx="0" cy="0"/>
-          <a:chOff x="0" y="0"/>
-          <a:chExt cx="0" cy="0"/>
-        </a:xfrm>
-      </p:grpSpPr>
-      <p:sp>
-        <p:nvSpPr>
-          <p:cNvPr id="96" name="PlaceHolder 1"/>
-          <p:cNvSpPr>
-            <a:spLocks noGrp="1"/>
-          </p:cNvSpPr>
-          <p:nvPr>
-            <p:ph type="title"/>
-          </p:nvPr>
-        </p:nvSpPr>
-        <p:spPr>
-          <a:xfrm>
-            <a:off x="457200" y="205200"/>
-            <a:ext cx="8229240" cy="858600"/>
-          </a:xfrm>
-          <a:prstGeom prst="rect">
-            <a:avLst/>
-          </a:prstGeom>
-        </p:spPr>
-        <p:txBody>
-          <a:bodyPr lIns="0" rIns="0" tIns="0" bIns="0" anchor="ctr">
-            <a:noAutofit/>
-          </a:bodyPr>
-          <a:p>
-            <a:pPr algn="ctr"/>
-            <a:endParaRPr b="0" lang="en-IN" sz="4400" spc="-1" strike="noStrike">
-              <a:latin typeface="Arial"/>
-            </a:endParaRPr>
-          </a:p>
-        </p:txBody>
-      </p:sp>
-    </p:spTree>
-  </p:cSld>
-</p:sldLayout>
-</file>
-
 <file path=ppt/slideLayouts/slideLayout3.xml><?xml version="1.0" encoding="utf-8"?>
 <p:sldLayout xmlns:a="http://schemas.openxmlformats.org/drawingml/2006/main" xmlns:p="http://schemas.openxmlformats.org/presentationml/2006/main" xmlns:r="http://schemas.openxmlformats.org/officeDocument/2006/relationships" xmlns:p14="http://schemas.microsoft.com/office/powerpoint/2010/main" xmlns:p15="http://schemas.microsoft.com/office/powerpoint/2012/main" xmlns:mc="http://schemas.openxmlformats.org/markup-compatibility/2006" type="obj" preserve="1">
   <p:cSld name="Title, Content">
@@ -2424,1007 +2069,6 @@
           <a:xfrm>
             <a:off x="457200" y="1203480"/>
             <a:ext cx="8229240" cy="2982960"/>
-          </a:xfrm>
-          <a:prstGeom prst="rect">
-            <a:avLst/>
-          </a:prstGeom>
-        </p:spPr>
-        <p:txBody>
-          <a:bodyPr lIns="0" rIns="0" tIns="0" bIns="0">
-            <a:normAutofit/>
-          </a:bodyPr>
-          <a:p>
-            <a:endParaRPr b="0" lang="en-IN" sz="3200" spc="-1" strike="noStrike">
-              <a:latin typeface="Arial"/>
-            </a:endParaRPr>
-          </a:p>
-        </p:txBody>
-      </p:sp>
-    </p:spTree>
-  </p:cSld>
-</p:sldLayout>
-</file>
-
-<file path=ppt/slideLayouts/slideLayout30.xml><?xml version="1.0" encoding="utf-8"?>
-<p:sldLayout xmlns:a="http://schemas.openxmlformats.org/drawingml/2006/main" xmlns:p="http://schemas.openxmlformats.org/presentationml/2006/main" xmlns:r="http://schemas.openxmlformats.org/officeDocument/2006/relationships" xmlns:p14="http://schemas.microsoft.com/office/powerpoint/2010/main" xmlns:p15="http://schemas.microsoft.com/office/powerpoint/2012/main" xmlns:mc="http://schemas.openxmlformats.org/markup-compatibility/2006" type="objOnly" preserve="1">
-  <p:cSld name="Centered Text">
-    <p:spTree>
-      <p:nvGrpSpPr>
-        <p:cNvPr id="1" name=""/>
-        <p:cNvGrpSpPr/>
-        <p:nvPr/>
-      </p:nvGrpSpPr>
-      <p:grpSpPr>
-        <a:xfrm>
-          <a:off x="0" y="0"/>
-          <a:ext cx="0" cy="0"/>
-          <a:chOff x="0" y="0"/>
-          <a:chExt cx="0" cy="0"/>
-        </a:xfrm>
-      </p:grpSpPr>
-      <p:sp>
-        <p:nvSpPr>
-          <p:cNvPr id="97" name="PlaceHolder 1"/>
-          <p:cNvSpPr>
-            <a:spLocks noGrp="1"/>
-          </p:cNvSpPr>
-          <p:nvPr>
-            <p:ph type="subTitle"/>
-          </p:nvPr>
-        </p:nvSpPr>
-        <p:spPr>
-          <a:xfrm>
-            <a:off x="457200" y="205200"/>
-            <a:ext cx="8229240" cy="3981240"/>
-          </a:xfrm>
-          <a:prstGeom prst="rect">
-            <a:avLst/>
-          </a:prstGeom>
-        </p:spPr>
-        <p:txBody>
-          <a:bodyPr lIns="0" rIns="0" tIns="0" bIns="0" anchor="ctr">
-            <a:noAutofit/>
-          </a:bodyPr>
-          <a:p>
-            <a:pPr algn="ctr"/>
-            <a:endParaRPr b="0" lang="en-IN" sz="3200" spc="-1" strike="noStrike">
-              <a:latin typeface="Arial"/>
-            </a:endParaRPr>
-          </a:p>
-        </p:txBody>
-      </p:sp>
-    </p:spTree>
-  </p:cSld>
-</p:sldLayout>
-</file>
-
-<file path=ppt/slideLayouts/slideLayout31.xml><?xml version="1.0" encoding="utf-8"?>
-<p:sldLayout xmlns:a="http://schemas.openxmlformats.org/drawingml/2006/main" xmlns:p="http://schemas.openxmlformats.org/presentationml/2006/main" xmlns:r="http://schemas.openxmlformats.org/officeDocument/2006/relationships" xmlns:p14="http://schemas.microsoft.com/office/powerpoint/2010/main" xmlns:p15="http://schemas.microsoft.com/office/powerpoint/2012/main" xmlns:mc="http://schemas.openxmlformats.org/markup-compatibility/2006" type="twoObjAndObj" preserve="1">
-  <p:cSld name="Title, 2 Content and Content">
-    <p:spTree>
-      <p:nvGrpSpPr>
-        <p:cNvPr id="1" name=""/>
-        <p:cNvGrpSpPr/>
-        <p:nvPr/>
-      </p:nvGrpSpPr>
-      <p:grpSpPr>
-        <a:xfrm>
-          <a:off x="0" y="0"/>
-          <a:ext cx="0" cy="0"/>
-          <a:chOff x="0" y="0"/>
-          <a:chExt cx="0" cy="0"/>
-        </a:xfrm>
-      </p:grpSpPr>
-      <p:sp>
-        <p:nvSpPr>
-          <p:cNvPr id="98" name="PlaceHolder 1"/>
-          <p:cNvSpPr>
-            <a:spLocks noGrp="1"/>
-          </p:cNvSpPr>
-          <p:nvPr>
-            <p:ph type="title"/>
-          </p:nvPr>
-        </p:nvSpPr>
-        <p:spPr>
-          <a:xfrm>
-            <a:off x="457200" y="205200"/>
-            <a:ext cx="8229240" cy="858600"/>
-          </a:xfrm>
-          <a:prstGeom prst="rect">
-            <a:avLst/>
-          </a:prstGeom>
-        </p:spPr>
-        <p:txBody>
-          <a:bodyPr lIns="0" rIns="0" tIns="0" bIns="0" anchor="ctr">
-            <a:noAutofit/>
-          </a:bodyPr>
-          <a:p>
-            <a:pPr algn="ctr"/>
-            <a:endParaRPr b="0" lang="en-IN" sz="4400" spc="-1" strike="noStrike">
-              <a:latin typeface="Arial"/>
-            </a:endParaRPr>
-          </a:p>
-        </p:txBody>
-      </p:sp>
-      <p:sp>
-        <p:nvSpPr>
-          <p:cNvPr id="99" name="PlaceHolder 2"/>
-          <p:cNvSpPr>
-            <a:spLocks noGrp="1"/>
-          </p:cNvSpPr>
-          <p:nvPr>
-            <p:ph type="body"/>
-          </p:nvPr>
-        </p:nvSpPr>
-        <p:spPr>
-          <a:xfrm>
-            <a:off x="457200" y="1203480"/>
-            <a:ext cx="4015800" cy="1422720"/>
-          </a:xfrm>
-          <a:prstGeom prst="rect">
-            <a:avLst/>
-          </a:prstGeom>
-        </p:spPr>
-        <p:txBody>
-          <a:bodyPr lIns="0" rIns="0" tIns="0" bIns="0">
-            <a:normAutofit/>
-          </a:bodyPr>
-          <a:p>
-            <a:endParaRPr b="0" lang="en-IN" sz="3200" spc="-1" strike="noStrike">
-              <a:latin typeface="Arial"/>
-            </a:endParaRPr>
-          </a:p>
-        </p:txBody>
-      </p:sp>
-      <p:sp>
-        <p:nvSpPr>
-          <p:cNvPr id="100" name="PlaceHolder 3"/>
-          <p:cNvSpPr>
-            <a:spLocks noGrp="1"/>
-          </p:cNvSpPr>
-          <p:nvPr>
-            <p:ph type="body"/>
-          </p:nvPr>
-        </p:nvSpPr>
-        <p:spPr>
-          <a:xfrm>
-            <a:off x="4674240" y="1203480"/>
-            <a:ext cx="4015800" cy="2982960"/>
-          </a:xfrm>
-          <a:prstGeom prst="rect">
-            <a:avLst/>
-          </a:prstGeom>
-        </p:spPr>
-        <p:txBody>
-          <a:bodyPr lIns="0" rIns="0" tIns="0" bIns="0">
-            <a:normAutofit/>
-          </a:bodyPr>
-          <a:p>
-            <a:endParaRPr b="0" lang="en-IN" sz="3200" spc="-1" strike="noStrike">
-              <a:latin typeface="Arial"/>
-            </a:endParaRPr>
-          </a:p>
-        </p:txBody>
-      </p:sp>
-      <p:sp>
-        <p:nvSpPr>
-          <p:cNvPr id="101" name="PlaceHolder 4"/>
-          <p:cNvSpPr>
-            <a:spLocks noGrp="1"/>
-          </p:cNvSpPr>
-          <p:nvPr>
-            <p:ph type="body"/>
-          </p:nvPr>
-        </p:nvSpPr>
-        <p:spPr>
-          <a:xfrm>
-            <a:off x="457200" y="2761920"/>
-            <a:ext cx="4015800" cy="1422720"/>
-          </a:xfrm>
-          <a:prstGeom prst="rect">
-            <a:avLst/>
-          </a:prstGeom>
-        </p:spPr>
-        <p:txBody>
-          <a:bodyPr lIns="0" rIns="0" tIns="0" bIns="0">
-            <a:normAutofit/>
-          </a:bodyPr>
-          <a:p>
-            <a:endParaRPr b="0" lang="en-IN" sz="3200" spc="-1" strike="noStrike">
-              <a:latin typeface="Arial"/>
-            </a:endParaRPr>
-          </a:p>
-        </p:txBody>
-      </p:sp>
-    </p:spTree>
-  </p:cSld>
-</p:sldLayout>
-</file>
-
-<file path=ppt/slideLayouts/slideLayout32.xml><?xml version="1.0" encoding="utf-8"?>
-<p:sldLayout xmlns:a="http://schemas.openxmlformats.org/drawingml/2006/main" xmlns:p="http://schemas.openxmlformats.org/presentationml/2006/main" xmlns:r="http://schemas.openxmlformats.org/officeDocument/2006/relationships" xmlns:p14="http://schemas.microsoft.com/office/powerpoint/2010/main" xmlns:p15="http://schemas.microsoft.com/office/powerpoint/2012/main" xmlns:mc="http://schemas.openxmlformats.org/markup-compatibility/2006" type="objAndTwoObj" preserve="1">
-  <p:cSld name="Title Content and 2 Content">
-    <p:spTree>
-      <p:nvGrpSpPr>
-        <p:cNvPr id="1" name=""/>
-        <p:cNvGrpSpPr/>
-        <p:nvPr/>
-      </p:nvGrpSpPr>
-      <p:grpSpPr>
-        <a:xfrm>
-          <a:off x="0" y="0"/>
-          <a:ext cx="0" cy="0"/>
-          <a:chOff x="0" y="0"/>
-          <a:chExt cx="0" cy="0"/>
-        </a:xfrm>
-      </p:grpSpPr>
-      <p:sp>
-        <p:nvSpPr>
-          <p:cNvPr id="102" name="PlaceHolder 1"/>
-          <p:cNvSpPr>
-            <a:spLocks noGrp="1"/>
-          </p:cNvSpPr>
-          <p:nvPr>
-            <p:ph type="title"/>
-          </p:nvPr>
-        </p:nvSpPr>
-        <p:spPr>
-          <a:xfrm>
-            <a:off x="457200" y="205200"/>
-            <a:ext cx="8229240" cy="858600"/>
-          </a:xfrm>
-          <a:prstGeom prst="rect">
-            <a:avLst/>
-          </a:prstGeom>
-        </p:spPr>
-        <p:txBody>
-          <a:bodyPr lIns="0" rIns="0" tIns="0" bIns="0" anchor="ctr">
-            <a:noAutofit/>
-          </a:bodyPr>
-          <a:p>
-            <a:pPr algn="ctr"/>
-            <a:endParaRPr b="0" lang="en-IN" sz="4400" spc="-1" strike="noStrike">
-              <a:latin typeface="Arial"/>
-            </a:endParaRPr>
-          </a:p>
-        </p:txBody>
-      </p:sp>
-      <p:sp>
-        <p:nvSpPr>
-          <p:cNvPr id="103" name="PlaceHolder 2"/>
-          <p:cNvSpPr>
-            <a:spLocks noGrp="1"/>
-          </p:cNvSpPr>
-          <p:nvPr>
-            <p:ph type="body"/>
-          </p:nvPr>
-        </p:nvSpPr>
-        <p:spPr>
-          <a:xfrm>
-            <a:off x="457200" y="1203480"/>
-            <a:ext cx="4015800" cy="2982960"/>
-          </a:xfrm>
-          <a:prstGeom prst="rect">
-            <a:avLst/>
-          </a:prstGeom>
-        </p:spPr>
-        <p:txBody>
-          <a:bodyPr lIns="0" rIns="0" tIns="0" bIns="0">
-            <a:normAutofit/>
-          </a:bodyPr>
-          <a:p>
-            <a:endParaRPr b="0" lang="en-IN" sz="3200" spc="-1" strike="noStrike">
-              <a:latin typeface="Arial"/>
-            </a:endParaRPr>
-          </a:p>
-        </p:txBody>
-      </p:sp>
-      <p:sp>
-        <p:nvSpPr>
-          <p:cNvPr id="104" name="PlaceHolder 3"/>
-          <p:cNvSpPr>
-            <a:spLocks noGrp="1"/>
-          </p:cNvSpPr>
-          <p:nvPr>
-            <p:ph type="body"/>
-          </p:nvPr>
-        </p:nvSpPr>
-        <p:spPr>
-          <a:xfrm>
-            <a:off x="4674240" y="1203480"/>
-            <a:ext cx="4015800" cy="1422720"/>
-          </a:xfrm>
-          <a:prstGeom prst="rect">
-            <a:avLst/>
-          </a:prstGeom>
-        </p:spPr>
-        <p:txBody>
-          <a:bodyPr lIns="0" rIns="0" tIns="0" bIns="0">
-            <a:normAutofit/>
-          </a:bodyPr>
-          <a:p>
-            <a:endParaRPr b="0" lang="en-IN" sz="3200" spc="-1" strike="noStrike">
-              <a:latin typeface="Arial"/>
-            </a:endParaRPr>
-          </a:p>
-        </p:txBody>
-      </p:sp>
-      <p:sp>
-        <p:nvSpPr>
-          <p:cNvPr id="105" name="PlaceHolder 4"/>
-          <p:cNvSpPr>
-            <a:spLocks noGrp="1"/>
-          </p:cNvSpPr>
-          <p:nvPr>
-            <p:ph type="body"/>
-          </p:nvPr>
-        </p:nvSpPr>
-        <p:spPr>
-          <a:xfrm>
-            <a:off x="4674240" y="2761920"/>
-            <a:ext cx="4015800" cy="1422720"/>
-          </a:xfrm>
-          <a:prstGeom prst="rect">
-            <a:avLst/>
-          </a:prstGeom>
-        </p:spPr>
-        <p:txBody>
-          <a:bodyPr lIns="0" rIns="0" tIns="0" bIns="0">
-            <a:normAutofit/>
-          </a:bodyPr>
-          <a:p>
-            <a:endParaRPr b="0" lang="en-IN" sz="3200" spc="-1" strike="noStrike">
-              <a:latin typeface="Arial"/>
-            </a:endParaRPr>
-          </a:p>
-        </p:txBody>
-      </p:sp>
-    </p:spTree>
-  </p:cSld>
-</p:sldLayout>
-</file>
-
-<file path=ppt/slideLayouts/slideLayout33.xml><?xml version="1.0" encoding="utf-8"?>
-<p:sldLayout xmlns:a="http://schemas.openxmlformats.org/drawingml/2006/main" xmlns:p="http://schemas.openxmlformats.org/presentationml/2006/main" xmlns:r="http://schemas.openxmlformats.org/officeDocument/2006/relationships" xmlns:p14="http://schemas.microsoft.com/office/powerpoint/2010/main" xmlns:p15="http://schemas.microsoft.com/office/powerpoint/2012/main" xmlns:mc="http://schemas.openxmlformats.org/markup-compatibility/2006" type="twoObjOverTx" preserve="1">
-  <p:cSld name="Title, 2 Content over Content">
-    <p:spTree>
-      <p:nvGrpSpPr>
-        <p:cNvPr id="1" name=""/>
-        <p:cNvGrpSpPr/>
-        <p:nvPr/>
-      </p:nvGrpSpPr>
-      <p:grpSpPr>
-        <a:xfrm>
-          <a:off x="0" y="0"/>
-          <a:ext cx="0" cy="0"/>
-          <a:chOff x="0" y="0"/>
-          <a:chExt cx="0" cy="0"/>
-        </a:xfrm>
-      </p:grpSpPr>
-      <p:sp>
-        <p:nvSpPr>
-          <p:cNvPr id="106" name="PlaceHolder 1"/>
-          <p:cNvSpPr>
-            <a:spLocks noGrp="1"/>
-          </p:cNvSpPr>
-          <p:nvPr>
-            <p:ph type="title"/>
-          </p:nvPr>
-        </p:nvSpPr>
-        <p:spPr>
-          <a:xfrm>
-            <a:off x="457200" y="205200"/>
-            <a:ext cx="8229240" cy="858600"/>
-          </a:xfrm>
-          <a:prstGeom prst="rect">
-            <a:avLst/>
-          </a:prstGeom>
-        </p:spPr>
-        <p:txBody>
-          <a:bodyPr lIns="0" rIns="0" tIns="0" bIns="0" anchor="ctr">
-            <a:noAutofit/>
-          </a:bodyPr>
-          <a:p>
-            <a:pPr algn="ctr"/>
-            <a:endParaRPr b="0" lang="en-IN" sz="4400" spc="-1" strike="noStrike">
-              <a:latin typeface="Arial"/>
-            </a:endParaRPr>
-          </a:p>
-        </p:txBody>
-      </p:sp>
-      <p:sp>
-        <p:nvSpPr>
-          <p:cNvPr id="107" name="PlaceHolder 2"/>
-          <p:cNvSpPr>
-            <a:spLocks noGrp="1"/>
-          </p:cNvSpPr>
-          <p:nvPr>
-            <p:ph type="body"/>
-          </p:nvPr>
-        </p:nvSpPr>
-        <p:spPr>
-          <a:xfrm>
-            <a:off x="457200" y="1203480"/>
-            <a:ext cx="4015800" cy="1422720"/>
-          </a:xfrm>
-          <a:prstGeom prst="rect">
-            <a:avLst/>
-          </a:prstGeom>
-        </p:spPr>
-        <p:txBody>
-          <a:bodyPr lIns="0" rIns="0" tIns="0" bIns="0">
-            <a:normAutofit/>
-          </a:bodyPr>
-          <a:p>
-            <a:endParaRPr b="0" lang="en-IN" sz="3200" spc="-1" strike="noStrike">
-              <a:latin typeface="Arial"/>
-            </a:endParaRPr>
-          </a:p>
-        </p:txBody>
-      </p:sp>
-      <p:sp>
-        <p:nvSpPr>
-          <p:cNvPr id="108" name="PlaceHolder 3"/>
-          <p:cNvSpPr>
-            <a:spLocks noGrp="1"/>
-          </p:cNvSpPr>
-          <p:nvPr>
-            <p:ph type="body"/>
-          </p:nvPr>
-        </p:nvSpPr>
-        <p:spPr>
-          <a:xfrm>
-            <a:off x="4674240" y="1203480"/>
-            <a:ext cx="4015800" cy="1422720"/>
-          </a:xfrm>
-          <a:prstGeom prst="rect">
-            <a:avLst/>
-          </a:prstGeom>
-        </p:spPr>
-        <p:txBody>
-          <a:bodyPr lIns="0" rIns="0" tIns="0" bIns="0">
-            <a:normAutofit/>
-          </a:bodyPr>
-          <a:p>
-            <a:endParaRPr b="0" lang="en-IN" sz="3200" spc="-1" strike="noStrike">
-              <a:latin typeface="Arial"/>
-            </a:endParaRPr>
-          </a:p>
-        </p:txBody>
-      </p:sp>
-      <p:sp>
-        <p:nvSpPr>
-          <p:cNvPr id="109" name="PlaceHolder 4"/>
-          <p:cNvSpPr>
-            <a:spLocks noGrp="1"/>
-          </p:cNvSpPr>
-          <p:nvPr>
-            <p:ph type="body"/>
-          </p:nvPr>
-        </p:nvSpPr>
-        <p:spPr>
-          <a:xfrm>
-            <a:off x="457200" y="2761920"/>
-            <a:ext cx="8229240" cy="1422720"/>
-          </a:xfrm>
-          <a:prstGeom prst="rect">
-            <a:avLst/>
-          </a:prstGeom>
-        </p:spPr>
-        <p:txBody>
-          <a:bodyPr lIns="0" rIns="0" tIns="0" bIns="0">
-            <a:normAutofit/>
-          </a:bodyPr>
-          <a:p>
-            <a:endParaRPr b="0" lang="en-IN" sz="3200" spc="-1" strike="noStrike">
-              <a:latin typeface="Arial"/>
-            </a:endParaRPr>
-          </a:p>
-        </p:txBody>
-      </p:sp>
-    </p:spTree>
-  </p:cSld>
-</p:sldLayout>
-</file>
-
-<file path=ppt/slideLayouts/slideLayout34.xml><?xml version="1.0" encoding="utf-8"?>
-<p:sldLayout xmlns:a="http://schemas.openxmlformats.org/drawingml/2006/main" xmlns:p="http://schemas.openxmlformats.org/presentationml/2006/main" xmlns:r="http://schemas.openxmlformats.org/officeDocument/2006/relationships" xmlns:p14="http://schemas.microsoft.com/office/powerpoint/2010/main" xmlns:p15="http://schemas.microsoft.com/office/powerpoint/2012/main" xmlns:mc="http://schemas.openxmlformats.org/markup-compatibility/2006" type="objOverTx" preserve="1">
-  <p:cSld name="Title, Content over Content">
-    <p:spTree>
-      <p:nvGrpSpPr>
-        <p:cNvPr id="1" name=""/>
-        <p:cNvGrpSpPr/>
-        <p:nvPr/>
-      </p:nvGrpSpPr>
-      <p:grpSpPr>
-        <a:xfrm>
-          <a:off x="0" y="0"/>
-          <a:ext cx="0" cy="0"/>
-          <a:chOff x="0" y="0"/>
-          <a:chExt cx="0" cy="0"/>
-        </a:xfrm>
-      </p:grpSpPr>
-      <p:sp>
-        <p:nvSpPr>
-          <p:cNvPr id="110" name="PlaceHolder 1"/>
-          <p:cNvSpPr>
-            <a:spLocks noGrp="1"/>
-          </p:cNvSpPr>
-          <p:nvPr>
-            <p:ph type="title"/>
-          </p:nvPr>
-        </p:nvSpPr>
-        <p:spPr>
-          <a:xfrm>
-            <a:off x="457200" y="205200"/>
-            <a:ext cx="8229240" cy="858600"/>
-          </a:xfrm>
-          <a:prstGeom prst="rect">
-            <a:avLst/>
-          </a:prstGeom>
-        </p:spPr>
-        <p:txBody>
-          <a:bodyPr lIns="0" rIns="0" tIns="0" bIns="0" anchor="ctr">
-            <a:noAutofit/>
-          </a:bodyPr>
-          <a:p>
-            <a:pPr algn="ctr"/>
-            <a:endParaRPr b="0" lang="en-IN" sz="4400" spc="-1" strike="noStrike">
-              <a:latin typeface="Arial"/>
-            </a:endParaRPr>
-          </a:p>
-        </p:txBody>
-      </p:sp>
-      <p:sp>
-        <p:nvSpPr>
-          <p:cNvPr id="111" name="PlaceHolder 2"/>
-          <p:cNvSpPr>
-            <a:spLocks noGrp="1"/>
-          </p:cNvSpPr>
-          <p:nvPr>
-            <p:ph type="body"/>
-          </p:nvPr>
-        </p:nvSpPr>
-        <p:spPr>
-          <a:xfrm>
-            <a:off x="457200" y="1203480"/>
-            <a:ext cx="8229240" cy="1422720"/>
-          </a:xfrm>
-          <a:prstGeom prst="rect">
-            <a:avLst/>
-          </a:prstGeom>
-        </p:spPr>
-        <p:txBody>
-          <a:bodyPr lIns="0" rIns="0" tIns="0" bIns="0">
-            <a:normAutofit/>
-          </a:bodyPr>
-          <a:p>
-            <a:endParaRPr b="0" lang="en-IN" sz="3200" spc="-1" strike="noStrike">
-              <a:latin typeface="Arial"/>
-            </a:endParaRPr>
-          </a:p>
-        </p:txBody>
-      </p:sp>
-      <p:sp>
-        <p:nvSpPr>
-          <p:cNvPr id="112" name="PlaceHolder 3"/>
-          <p:cNvSpPr>
-            <a:spLocks noGrp="1"/>
-          </p:cNvSpPr>
-          <p:nvPr>
-            <p:ph type="body"/>
-          </p:nvPr>
-        </p:nvSpPr>
-        <p:spPr>
-          <a:xfrm>
-            <a:off x="457200" y="2761920"/>
-            <a:ext cx="8229240" cy="1422720"/>
-          </a:xfrm>
-          <a:prstGeom prst="rect">
-            <a:avLst/>
-          </a:prstGeom>
-        </p:spPr>
-        <p:txBody>
-          <a:bodyPr lIns="0" rIns="0" tIns="0" bIns="0">
-            <a:normAutofit/>
-          </a:bodyPr>
-          <a:p>
-            <a:endParaRPr b="0" lang="en-IN" sz="3200" spc="-1" strike="noStrike">
-              <a:latin typeface="Arial"/>
-            </a:endParaRPr>
-          </a:p>
-        </p:txBody>
-      </p:sp>
-    </p:spTree>
-  </p:cSld>
-</p:sldLayout>
-</file>
-
-<file path=ppt/slideLayouts/slideLayout35.xml><?xml version="1.0" encoding="utf-8"?>
-<p:sldLayout xmlns:a="http://schemas.openxmlformats.org/drawingml/2006/main" xmlns:p="http://schemas.openxmlformats.org/presentationml/2006/main" xmlns:r="http://schemas.openxmlformats.org/officeDocument/2006/relationships" xmlns:p14="http://schemas.microsoft.com/office/powerpoint/2010/main" xmlns:p15="http://schemas.microsoft.com/office/powerpoint/2012/main" xmlns:mc="http://schemas.openxmlformats.org/markup-compatibility/2006" type="fourObj" preserve="1">
-  <p:cSld name="Title, 4 Content">
-    <p:spTree>
-      <p:nvGrpSpPr>
-        <p:cNvPr id="1" name=""/>
-        <p:cNvGrpSpPr/>
-        <p:nvPr/>
-      </p:nvGrpSpPr>
-      <p:grpSpPr>
-        <a:xfrm>
-          <a:off x="0" y="0"/>
-          <a:ext cx="0" cy="0"/>
-          <a:chOff x="0" y="0"/>
-          <a:chExt cx="0" cy="0"/>
-        </a:xfrm>
-      </p:grpSpPr>
-      <p:sp>
-        <p:nvSpPr>
-          <p:cNvPr id="113" name="PlaceHolder 1"/>
-          <p:cNvSpPr>
-            <a:spLocks noGrp="1"/>
-          </p:cNvSpPr>
-          <p:nvPr>
-            <p:ph type="title"/>
-          </p:nvPr>
-        </p:nvSpPr>
-        <p:spPr>
-          <a:xfrm>
-            <a:off x="457200" y="205200"/>
-            <a:ext cx="8229240" cy="858600"/>
-          </a:xfrm>
-          <a:prstGeom prst="rect">
-            <a:avLst/>
-          </a:prstGeom>
-        </p:spPr>
-        <p:txBody>
-          <a:bodyPr lIns="0" rIns="0" tIns="0" bIns="0" anchor="ctr">
-            <a:noAutofit/>
-          </a:bodyPr>
-          <a:p>
-            <a:pPr algn="ctr"/>
-            <a:endParaRPr b="0" lang="en-IN" sz="4400" spc="-1" strike="noStrike">
-              <a:latin typeface="Arial"/>
-            </a:endParaRPr>
-          </a:p>
-        </p:txBody>
-      </p:sp>
-      <p:sp>
-        <p:nvSpPr>
-          <p:cNvPr id="114" name="PlaceHolder 2"/>
-          <p:cNvSpPr>
-            <a:spLocks noGrp="1"/>
-          </p:cNvSpPr>
-          <p:nvPr>
-            <p:ph type="body"/>
-          </p:nvPr>
-        </p:nvSpPr>
-        <p:spPr>
-          <a:xfrm>
-            <a:off x="457200" y="1203480"/>
-            <a:ext cx="4015800" cy="1422720"/>
-          </a:xfrm>
-          <a:prstGeom prst="rect">
-            <a:avLst/>
-          </a:prstGeom>
-        </p:spPr>
-        <p:txBody>
-          <a:bodyPr lIns="0" rIns="0" tIns="0" bIns="0">
-            <a:normAutofit/>
-          </a:bodyPr>
-          <a:p>
-            <a:endParaRPr b="0" lang="en-IN" sz="3200" spc="-1" strike="noStrike">
-              <a:latin typeface="Arial"/>
-            </a:endParaRPr>
-          </a:p>
-        </p:txBody>
-      </p:sp>
-      <p:sp>
-        <p:nvSpPr>
-          <p:cNvPr id="115" name="PlaceHolder 3"/>
-          <p:cNvSpPr>
-            <a:spLocks noGrp="1"/>
-          </p:cNvSpPr>
-          <p:nvPr>
-            <p:ph type="body"/>
-          </p:nvPr>
-        </p:nvSpPr>
-        <p:spPr>
-          <a:xfrm>
-            <a:off x="4674240" y="1203480"/>
-            <a:ext cx="4015800" cy="1422720"/>
-          </a:xfrm>
-          <a:prstGeom prst="rect">
-            <a:avLst/>
-          </a:prstGeom>
-        </p:spPr>
-        <p:txBody>
-          <a:bodyPr lIns="0" rIns="0" tIns="0" bIns="0">
-            <a:normAutofit/>
-          </a:bodyPr>
-          <a:p>
-            <a:endParaRPr b="0" lang="en-IN" sz="3200" spc="-1" strike="noStrike">
-              <a:latin typeface="Arial"/>
-            </a:endParaRPr>
-          </a:p>
-        </p:txBody>
-      </p:sp>
-      <p:sp>
-        <p:nvSpPr>
-          <p:cNvPr id="116" name="PlaceHolder 4"/>
-          <p:cNvSpPr>
-            <a:spLocks noGrp="1"/>
-          </p:cNvSpPr>
-          <p:nvPr>
-            <p:ph type="body"/>
-          </p:nvPr>
-        </p:nvSpPr>
-        <p:spPr>
-          <a:xfrm>
-            <a:off x="457200" y="2761920"/>
-            <a:ext cx="4015800" cy="1422720"/>
-          </a:xfrm>
-          <a:prstGeom prst="rect">
-            <a:avLst/>
-          </a:prstGeom>
-        </p:spPr>
-        <p:txBody>
-          <a:bodyPr lIns="0" rIns="0" tIns="0" bIns="0">
-            <a:normAutofit/>
-          </a:bodyPr>
-          <a:p>
-            <a:endParaRPr b="0" lang="en-IN" sz="3200" spc="-1" strike="noStrike">
-              <a:latin typeface="Arial"/>
-            </a:endParaRPr>
-          </a:p>
-        </p:txBody>
-      </p:sp>
-      <p:sp>
-        <p:nvSpPr>
-          <p:cNvPr id="117" name="PlaceHolder 5"/>
-          <p:cNvSpPr>
-            <a:spLocks noGrp="1"/>
-          </p:cNvSpPr>
-          <p:nvPr>
-            <p:ph type="body"/>
-          </p:nvPr>
-        </p:nvSpPr>
-        <p:spPr>
-          <a:xfrm>
-            <a:off x="4674240" y="2761920"/>
-            <a:ext cx="4015800" cy="1422720"/>
-          </a:xfrm>
-          <a:prstGeom prst="rect">
-            <a:avLst/>
-          </a:prstGeom>
-        </p:spPr>
-        <p:txBody>
-          <a:bodyPr lIns="0" rIns="0" tIns="0" bIns="0">
-            <a:normAutofit/>
-          </a:bodyPr>
-          <a:p>
-            <a:endParaRPr b="0" lang="en-IN" sz="3200" spc="-1" strike="noStrike">
-              <a:latin typeface="Arial"/>
-            </a:endParaRPr>
-          </a:p>
-        </p:txBody>
-      </p:sp>
-    </p:spTree>
-  </p:cSld>
-</p:sldLayout>
-</file>
-
-<file path=ppt/slideLayouts/slideLayout36.xml><?xml version="1.0" encoding="utf-8"?>
-<p:sldLayout xmlns:a="http://schemas.openxmlformats.org/drawingml/2006/main" xmlns:p="http://schemas.openxmlformats.org/presentationml/2006/main" xmlns:r="http://schemas.openxmlformats.org/officeDocument/2006/relationships" xmlns:p14="http://schemas.microsoft.com/office/powerpoint/2010/main" xmlns:p15="http://schemas.microsoft.com/office/powerpoint/2012/main" xmlns:mc="http://schemas.openxmlformats.org/markup-compatibility/2006" type="blank" preserve="1">
-  <p:cSld name="Title, 6 Content">
-    <p:spTree>
-      <p:nvGrpSpPr>
-        <p:cNvPr id="1" name=""/>
-        <p:cNvGrpSpPr/>
-        <p:nvPr/>
-      </p:nvGrpSpPr>
-      <p:grpSpPr>
-        <a:xfrm>
-          <a:off x="0" y="0"/>
-          <a:ext cx="0" cy="0"/>
-          <a:chOff x="0" y="0"/>
-          <a:chExt cx="0" cy="0"/>
-        </a:xfrm>
-      </p:grpSpPr>
-      <p:sp>
-        <p:nvSpPr>
-          <p:cNvPr id="118" name="PlaceHolder 1"/>
-          <p:cNvSpPr>
-            <a:spLocks noGrp="1"/>
-          </p:cNvSpPr>
-          <p:nvPr>
-            <p:ph type="title"/>
-          </p:nvPr>
-        </p:nvSpPr>
-        <p:spPr>
-          <a:xfrm>
-            <a:off x="457200" y="205200"/>
-            <a:ext cx="8229240" cy="858600"/>
-          </a:xfrm>
-          <a:prstGeom prst="rect">
-            <a:avLst/>
-          </a:prstGeom>
-        </p:spPr>
-        <p:txBody>
-          <a:bodyPr lIns="0" rIns="0" tIns="0" bIns="0" anchor="ctr">
-            <a:noAutofit/>
-          </a:bodyPr>
-          <a:p>
-            <a:pPr algn="ctr"/>
-            <a:endParaRPr b="0" lang="en-IN" sz="4400" spc="-1" strike="noStrike">
-              <a:latin typeface="Arial"/>
-            </a:endParaRPr>
-          </a:p>
-        </p:txBody>
-      </p:sp>
-      <p:sp>
-        <p:nvSpPr>
-          <p:cNvPr id="119" name="PlaceHolder 2"/>
-          <p:cNvSpPr>
-            <a:spLocks noGrp="1"/>
-          </p:cNvSpPr>
-          <p:nvPr>
-            <p:ph type="body"/>
-          </p:nvPr>
-        </p:nvSpPr>
-        <p:spPr>
-          <a:xfrm>
-            <a:off x="457200" y="1203480"/>
-            <a:ext cx="2649600" cy="1422720"/>
-          </a:xfrm>
-          <a:prstGeom prst="rect">
-            <a:avLst/>
-          </a:prstGeom>
-        </p:spPr>
-        <p:txBody>
-          <a:bodyPr lIns="0" rIns="0" tIns="0" bIns="0">
-            <a:normAutofit/>
-          </a:bodyPr>
-          <a:p>
-            <a:endParaRPr b="0" lang="en-IN" sz="3200" spc="-1" strike="noStrike">
-              <a:latin typeface="Arial"/>
-            </a:endParaRPr>
-          </a:p>
-        </p:txBody>
-      </p:sp>
-      <p:sp>
-        <p:nvSpPr>
-          <p:cNvPr id="120" name="PlaceHolder 3"/>
-          <p:cNvSpPr>
-            <a:spLocks noGrp="1"/>
-          </p:cNvSpPr>
-          <p:nvPr>
-            <p:ph type="body"/>
-          </p:nvPr>
-        </p:nvSpPr>
-        <p:spPr>
-          <a:xfrm>
-            <a:off x="3239640" y="1203480"/>
-            <a:ext cx="2649600" cy="1422720"/>
-          </a:xfrm>
-          <a:prstGeom prst="rect">
-            <a:avLst/>
-          </a:prstGeom>
-        </p:spPr>
-        <p:txBody>
-          <a:bodyPr lIns="0" rIns="0" tIns="0" bIns="0">
-            <a:normAutofit/>
-          </a:bodyPr>
-          <a:p>
-            <a:endParaRPr b="0" lang="en-IN" sz="3200" spc="-1" strike="noStrike">
-              <a:latin typeface="Arial"/>
-            </a:endParaRPr>
-          </a:p>
-        </p:txBody>
-      </p:sp>
-      <p:sp>
-        <p:nvSpPr>
-          <p:cNvPr id="121" name="PlaceHolder 4"/>
-          <p:cNvSpPr>
-            <a:spLocks noGrp="1"/>
-          </p:cNvSpPr>
-          <p:nvPr>
-            <p:ph type="body"/>
-          </p:nvPr>
-        </p:nvSpPr>
-        <p:spPr>
-          <a:xfrm>
-            <a:off x="6022080" y="1203480"/>
-            <a:ext cx="2649600" cy="1422720"/>
-          </a:xfrm>
-          <a:prstGeom prst="rect">
-            <a:avLst/>
-          </a:prstGeom>
-        </p:spPr>
-        <p:txBody>
-          <a:bodyPr lIns="0" rIns="0" tIns="0" bIns="0">
-            <a:normAutofit/>
-          </a:bodyPr>
-          <a:p>
-            <a:endParaRPr b="0" lang="en-IN" sz="3200" spc="-1" strike="noStrike">
-              <a:latin typeface="Arial"/>
-            </a:endParaRPr>
-          </a:p>
-        </p:txBody>
-      </p:sp>
-      <p:sp>
-        <p:nvSpPr>
-          <p:cNvPr id="122" name="PlaceHolder 5"/>
-          <p:cNvSpPr>
-            <a:spLocks noGrp="1"/>
-          </p:cNvSpPr>
-          <p:nvPr>
-            <p:ph type="body"/>
-          </p:nvPr>
-        </p:nvSpPr>
-        <p:spPr>
-          <a:xfrm>
-            <a:off x="457200" y="2761920"/>
-            <a:ext cx="2649600" cy="1422720"/>
-          </a:xfrm>
-          <a:prstGeom prst="rect">
-            <a:avLst/>
-          </a:prstGeom>
-        </p:spPr>
-        <p:txBody>
-          <a:bodyPr lIns="0" rIns="0" tIns="0" bIns="0">
-            <a:normAutofit/>
-          </a:bodyPr>
-          <a:p>
-            <a:endParaRPr b="0" lang="en-IN" sz="3200" spc="-1" strike="noStrike">
-              <a:latin typeface="Arial"/>
-            </a:endParaRPr>
-          </a:p>
-        </p:txBody>
-      </p:sp>
-      <p:sp>
-        <p:nvSpPr>
-          <p:cNvPr id="123" name="PlaceHolder 6"/>
-          <p:cNvSpPr>
-            <a:spLocks noGrp="1"/>
-          </p:cNvSpPr>
-          <p:nvPr>
-            <p:ph type="body"/>
-          </p:nvPr>
-        </p:nvSpPr>
-        <p:spPr>
-          <a:xfrm>
-            <a:off x="3239640" y="2761920"/>
-            <a:ext cx="2649600" cy="1422720"/>
-          </a:xfrm>
-          <a:prstGeom prst="rect">
-            <a:avLst/>
-          </a:prstGeom>
-        </p:spPr>
-        <p:txBody>
-          <a:bodyPr lIns="0" rIns="0" tIns="0" bIns="0">
-            <a:normAutofit/>
-          </a:bodyPr>
-          <a:p>
-            <a:endParaRPr b="0" lang="en-IN" sz="3200" spc="-1" strike="noStrike">
-              <a:latin typeface="Arial"/>
-            </a:endParaRPr>
-          </a:p>
-        </p:txBody>
-      </p:sp>
-      <p:sp>
-        <p:nvSpPr>
-          <p:cNvPr id="124" name="PlaceHolder 7"/>
-          <p:cNvSpPr>
-            <a:spLocks noGrp="1"/>
-          </p:cNvSpPr>
-          <p:nvPr>
-            <p:ph type="body"/>
-          </p:nvPr>
-        </p:nvSpPr>
-        <p:spPr>
-          <a:xfrm>
-            <a:off x="6022080" y="2761920"/>
-            <a:ext cx="2649600" cy="1422720"/>
           </a:xfrm>
           <a:prstGeom prst="rect">
             <a:avLst/>
@@ -4131,7 +2775,7 @@
         <p:spPr>
           <a:xfrm>
             <a:off x="1080" y="0"/>
-            <a:ext cx="9140760" cy="5142600"/>
+            <a:ext cx="9140040" cy="5141880"/>
           </a:xfrm>
           <a:prstGeom prst="rect">
             <a:avLst/>
@@ -4150,7 +2794,7 @@
         <p:spPr>
           <a:xfrm>
             <a:off x="91800" y="96480"/>
-            <a:ext cx="8965080" cy="4944240"/>
+            <a:ext cx="8964360" cy="4943520"/>
           </a:xfrm>
           <a:prstGeom prst="rect">
             <a:avLst/>
@@ -4178,8 +2822,8 @@
         </p:nvSpPr>
         <p:spPr>
           <a:xfrm rot="5400000">
-            <a:off x="4528440" y="-550440"/>
-            <a:ext cx="91440" cy="7105680"/>
+            <a:off x="4529160" y="-550440"/>
+            <a:ext cx="90720" cy="7104960"/>
           </a:xfrm>
           <a:custGeom>
             <a:avLst/>
@@ -4226,8 +2870,8 @@
         </p:nvSpPr>
         <p:spPr>
           <a:xfrm rot="16200000">
-            <a:off x="695160" y="987480"/>
-            <a:ext cx="993960" cy="1065240"/>
+            <a:off x="695160" y="988200"/>
+            <a:ext cx="993240" cy="1064520"/>
           </a:xfrm>
           <a:prstGeom prst="arc">
             <a:avLst>
@@ -4262,7 +2906,7 @@
         <p:spPr>
           <a:xfrm>
             <a:off x="8365320" y="1345320"/>
-            <a:ext cx="360" cy="1695600"/>
+            <a:ext cx="360" cy="1694880"/>
           </a:xfrm>
           <a:custGeom>
             <a:avLst/>
@@ -4305,8 +2949,8 @@
         </p:nvSpPr>
         <p:spPr>
           <a:xfrm rot="16200000">
-            <a:off x="4525560" y="-2131920"/>
-            <a:ext cx="91440" cy="7105680"/>
+            <a:off x="4525560" y="-2130480"/>
+            <a:ext cx="90720" cy="7104960"/>
           </a:xfrm>
           <a:custGeom>
             <a:avLst/>
@@ -4354,8 +2998,8 @@
         </p:nvSpPr>
         <p:spPr>
           <a:xfrm rot="5400000">
-            <a:off x="7049160" y="2866680"/>
-            <a:ext cx="1284480" cy="1376280"/>
+            <a:off x="7049880" y="2866680"/>
+            <a:ext cx="1283760" cy="1375560"/>
           </a:xfrm>
           <a:prstGeom prst="arc">
             <a:avLst>
@@ -4654,7 +3298,7 @@
         <p:spPr>
           <a:xfrm>
             <a:off x="1080" y="0"/>
-            <a:ext cx="9140760" cy="5142600"/>
+            <a:ext cx="9140040" cy="5141880"/>
           </a:xfrm>
           <a:prstGeom prst="rect">
             <a:avLst/>
@@ -4673,7 +3317,7 @@
         <p:spPr>
           <a:xfrm>
             <a:off x="91800" y="96480"/>
-            <a:ext cx="8965080" cy="4944240"/>
+            <a:ext cx="8964360" cy="4943520"/>
           </a:xfrm>
           <a:prstGeom prst="rect">
             <a:avLst/>
@@ -4925,318 +3569,6 @@
     <p:sldLayoutId id="2147483671" r:id="rId12"/>
     <p:sldLayoutId id="2147483672" r:id="rId13"/>
     <p:sldLayoutId id="2147483673" r:id="rId14"/>
-  </p:sldLayoutIdLst>
-</p:sldMaster>
-</file>
-
-<file path=ppt/slideMasters/slideMaster3.xml><?xml version="1.0" encoding="utf-8"?>
-<p:sldMaster xmlns:a="http://schemas.openxmlformats.org/drawingml/2006/main" xmlns:p="http://schemas.openxmlformats.org/presentationml/2006/main" xmlns:r="http://schemas.openxmlformats.org/officeDocument/2006/relationships" xmlns:p14="http://schemas.microsoft.com/office/powerpoint/2010/main" xmlns:p15="http://schemas.microsoft.com/office/powerpoint/2012/main" xmlns:mc="http://schemas.openxmlformats.org/markup-compatibility/2006">
-  <p:cSld>
-    <p:bg>
-      <p:bgPr>
-        <a:solidFill>
-          <a:srgbClr val="3d85c6"/>
-        </a:solidFill>
-      </p:bgPr>
-    </p:bg>
-    <p:spTree>
-      <p:nvGrpSpPr>
-        <p:cNvPr id="1" name=""/>
-        <p:cNvGrpSpPr/>
-        <p:nvPr/>
-      </p:nvGrpSpPr>
-      <p:grpSpPr>
-        <a:xfrm>
-          <a:off x="0" y="0"/>
-          <a:ext cx="0" cy="0"/>
-          <a:chOff x="0" y="0"/>
-          <a:chExt cx="0" cy="0"/>
-        </a:xfrm>
-      </p:grpSpPr>
-      <p:pic>
-        <p:nvPicPr>
-          <p:cNvPr id="85" name="Google Shape;6;p1" descr=""/>
-          <p:cNvPicPr/>
-          <p:nvPr/>
-        </p:nvPicPr>
-        <p:blipFill>
-          <a:blip r:embed="rId2"/>
-          <a:stretch/>
-        </p:blipFill>
-        <p:spPr>
-          <a:xfrm>
-            <a:off x="1080" y="0"/>
-            <a:ext cx="9140760" cy="5142600"/>
-          </a:xfrm>
-          <a:prstGeom prst="rect">
-            <a:avLst/>
-          </a:prstGeom>
-          <a:ln w="0">
-            <a:noFill/>
-          </a:ln>
-        </p:spPr>
-      </p:pic>
-      <p:sp>
-        <p:nvSpPr>
-          <p:cNvPr id="86" name="CustomShape 1"/>
-          <p:cNvSpPr/>
-          <p:nvPr/>
-        </p:nvSpPr>
-        <p:spPr>
-          <a:xfrm>
-            <a:off x="91800" y="96480"/>
-            <a:ext cx="8965080" cy="4944240"/>
-          </a:xfrm>
-          <a:prstGeom prst="rect">
-            <a:avLst/>
-          </a:prstGeom>
-          <a:noFill/>
-          <a:ln w="9525">
-            <a:solidFill>
-              <a:srgbClr val="ffffff"/>
-            </a:solidFill>
-            <a:round/>
-          </a:ln>
-        </p:spPr>
-        <p:style>
-          <a:lnRef idx="0"/>
-          <a:fillRef idx="0"/>
-          <a:effectRef idx="0"/>
-          <a:fontRef idx="minor"/>
-        </p:style>
-      </p:sp>
-      <p:sp>
-        <p:nvSpPr>
-          <p:cNvPr id="87" name="PlaceHolder 2"/>
-          <p:cNvSpPr>
-            <a:spLocks noGrp="1"/>
-          </p:cNvSpPr>
-          <p:nvPr>
-            <p:ph type="title"/>
-          </p:nvPr>
-        </p:nvSpPr>
-        <p:spPr>
-          <a:xfrm>
-            <a:off x="457200" y="205200"/>
-            <a:ext cx="8229240" cy="858600"/>
-          </a:xfrm>
-          <a:prstGeom prst="rect">
-            <a:avLst/>
-          </a:prstGeom>
-        </p:spPr>
-        <p:txBody>
-          <a:bodyPr lIns="0" rIns="0" tIns="0" bIns="0" anchor="ctr">
-            <a:noAutofit/>
-          </a:bodyPr>
-          <a:p>
-            <a:pPr algn="ctr"/>
-            <a:r>
-              <a:rPr b="0" lang="en-IN" sz="4400" spc="-1" strike="noStrike">
-                <a:latin typeface="Arial"/>
-              </a:rPr>
-              <a:t>Click to edit the title text format</a:t>
-            </a:r>
-            <a:endParaRPr b="0" lang="en-IN" sz="4400" spc="-1" strike="noStrike">
-              <a:latin typeface="Arial"/>
-            </a:endParaRPr>
-          </a:p>
-        </p:txBody>
-      </p:sp>
-      <p:sp>
-        <p:nvSpPr>
-          <p:cNvPr id="88" name="PlaceHolder 3"/>
-          <p:cNvSpPr>
-            <a:spLocks noGrp="1"/>
-          </p:cNvSpPr>
-          <p:nvPr>
-            <p:ph type="body"/>
-          </p:nvPr>
-        </p:nvSpPr>
-        <p:spPr>
-          <a:xfrm>
-            <a:off x="457200" y="1203480"/>
-            <a:ext cx="8229240" cy="2982960"/>
-          </a:xfrm>
-          <a:prstGeom prst="rect">
-            <a:avLst/>
-          </a:prstGeom>
-        </p:spPr>
-        <p:txBody>
-          <a:bodyPr lIns="0" rIns="0" tIns="0" bIns="0">
-            <a:normAutofit/>
-          </a:bodyPr>
-          <a:p>
-            <a:pPr marL="432000" indent="-324000">
-              <a:spcBef>
-                <a:spcPts val="1417"/>
-              </a:spcBef>
-              <a:buClr>
-                <a:srgbClr val="000000"/>
-              </a:buClr>
-              <a:buSzPct val="45000"/>
-              <a:buFont typeface="Wingdings" charset="2"/>
-              <a:buChar char=""/>
-            </a:pPr>
-            <a:r>
-              <a:rPr b="0" lang="en-IN" sz="3200" spc="-1" strike="noStrike">
-                <a:latin typeface="Arial"/>
-              </a:rPr>
-              <a:t>Click to edit the outline text format</a:t>
-            </a:r>
-            <a:endParaRPr b="0" lang="en-IN" sz="3200" spc="-1" strike="noStrike">
-              <a:latin typeface="Arial"/>
-            </a:endParaRPr>
-          </a:p>
-          <a:p>
-            <a:pPr lvl="1" marL="864000" indent="-324000">
-              <a:spcBef>
-                <a:spcPts val="1134"/>
-              </a:spcBef>
-              <a:buClr>
-                <a:srgbClr val="000000"/>
-              </a:buClr>
-              <a:buSzPct val="75000"/>
-              <a:buFont typeface="Symbol" charset="2"/>
-              <a:buChar char=""/>
-            </a:pPr>
-            <a:r>
-              <a:rPr b="0" lang="en-IN" sz="2800" spc="-1" strike="noStrike">
-                <a:latin typeface="Arial"/>
-              </a:rPr>
-              <a:t>Second Outline Level</a:t>
-            </a:r>
-            <a:endParaRPr b="0" lang="en-IN" sz="2800" spc="-1" strike="noStrike">
-              <a:latin typeface="Arial"/>
-            </a:endParaRPr>
-          </a:p>
-          <a:p>
-            <a:pPr lvl="2" marL="1296000" indent="-288000">
-              <a:spcBef>
-                <a:spcPts val="850"/>
-              </a:spcBef>
-              <a:buClr>
-                <a:srgbClr val="000000"/>
-              </a:buClr>
-              <a:buSzPct val="45000"/>
-              <a:buFont typeface="Wingdings" charset="2"/>
-              <a:buChar char=""/>
-            </a:pPr>
-            <a:r>
-              <a:rPr b="0" lang="en-IN" sz="2400" spc="-1" strike="noStrike">
-                <a:latin typeface="Arial"/>
-              </a:rPr>
-              <a:t>Third Outline Level</a:t>
-            </a:r>
-            <a:endParaRPr b="0" lang="en-IN" sz="2400" spc="-1" strike="noStrike">
-              <a:latin typeface="Arial"/>
-            </a:endParaRPr>
-          </a:p>
-          <a:p>
-            <a:pPr lvl="3" marL="1728000" indent="-216000">
-              <a:spcBef>
-                <a:spcPts val="567"/>
-              </a:spcBef>
-              <a:buClr>
-                <a:srgbClr val="000000"/>
-              </a:buClr>
-              <a:buSzPct val="75000"/>
-              <a:buFont typeface="Symbol" charset="2"/>
-              <a:buChar char=""/>
-            </a:pPr>
-            <a:r>
-              <a:rPr b="0" lang="en-IN" sz="2000" spc="-1" strike="noStrike">
-                <a:latin typeface="Arial"/>
-              </a:rPr>
-              <a:t>Fourth Outline Level</a:t>
-            </a:r>
-            <a:endParaRPr b="0" lang="en-IN" sz="2000" spc="-1" strike="noStrike">
-              <a:latin typeface="Arial"/>
-            </a:endParaRPr>
-          </a:p>
-          <a:p>
-            <a:pPr lvl="4" marL="2160000" indent="-216000">
-              <a:spcBef>
-                <a:spcPts val="283"/>
-              </a:spcBef>
-              <a:buClr>
-                <a:srgbClr val="000000"/>
-              </a:buClr>
-              <a:buSzPct val="45000"/>
-              <a:buFont typeface="Wingdings" charset="2"/>
-              <a:buChar char=""/>
-            </a:pPr>
-            <a:r>
-              <a:rPr b="0" lang="en-IN" sz="2000" spc="-1" strike="noStrike">
-                <a:latin typeface="Arial"/>
-              </a:rPr>
-              <a:t>Fifth Outline Level</a:t>
-            </a:r>
-            <a:endParaRPr b="0" lang="en-IN" sz="2000" spc="-1" strike="noStrike">
-              <a:latin typeface="Arial"/>
-            </a:endParaRPr>
-          </a:p>
-          <a:p>
-            <a:pPr lvl="5" marL="2592000" indent="-216000">
-              <a:spcBef>
-                <a:spcPts val="283"/>
-              </a:spcBef>
-              <a:buClr>
-                <a:srgbClr val="000000"/>
-              </a:buClr>
-              <a:buSzPct val="45000"/>
-              <a:buFont typeface="Wingdings" charset="2"/>
-              <a:buChar char=""/>
-            </a:pPr>
-            <a:r>
-              <a:rPr b="0" lang="en-IN" sz="2000" spc="-1" strike="noStrike">
-                <a:latin typeface="Arial"/>
-              </a:rPr>
-              <a:t>Sixth Outline Level</a:t>
-            </a:r>
-            <a:endParaRPr b="0" lang="en-IN" sz="2000" spc="-1" strike="noStrike">
-              <a:latin typeface="Arial"/>
-            </a:endParaRPr>
-          </a:p>
-          <a:p>
-            <a:pPr lvl="6" marL="3024000" indent="-216000">
-              <a:spcBef>
-                <a:spcPts val="283"/>
-              </a:spcBef>
-              <a:buClr>
-                <a:srgbClr val="000000"/>
-              </a:buClr>
-              <a:buSzPct val="45000"/>
-              <a:buFont typeface="Wingdings" charset="2"/>
-              <a:buChar char=""/>
-            </a:pPr>
-            <a:r>
-              <a:rPr b="0" lang="en-IN" sz="2000" spc="-1" strike="noStrike">
-                <a:latin typeface="Arial"/>
-              </a:rPr>
-              <a:t>Seventh Outline Level</a:t>
-            </a:r>
-            <a:endParaRPr b="0" lang="en-IN" sz="2000" spc="-1" strike="noStrike">
-              <a:latin typeface="Arial"/>
-            </a:endParaRPr>
-          </a:p>
-        </p:txBody>
-      </p:sp>
-    </p:spTree>
-  </p:cSld>
-  <p:clrMap bg1="lt1" bg2="lt2" tx1="dk1" tx2="dk2" accent1="accent1" accent2="accent2" accent3="accent3" accent4="accent4" accent5="accent5" accent6="accent6" hlink="hlink" folHlink="folHlink"/>
-  <p:sldLayoutIdLst>
-    <p:sldLayoutId id="2147483675" r:id="rId3"/>
-    <p:sldLayoutId id="2147483676" r:id="rId4"/>
-    <p:sldLayoutId id="2147483677" r:id="rId5"/>
-    <p:sldLayoutId id="2147483678" r:id="rId6"/>
-    <p:sldLayoutId id="2147483679" r:id="rId7"/>
-    <p:sldLayoutId id="2147483680" r:id="rId8"/>
-    <p:sldLayoutId id="2147483681" r:id="rId9"/>
-    <p:sldLayoutId id="2147483682" r:id="rId10"/>
-    <p:sldLayoutId id="2147483683" r:id="rId11"/>
-    <p:sldLayoutId id="2147483684" r:id="rId12"/>
-    <p:sldLayoutId id="2147483685" r:id="rId13"/>
-    <p:sldLayoutId id="2147483686" r:id="rId14"/>
   </p:sldLayoutIdLst>
 </p:sldMaster>
 </file>
@@ -5260,14 +3592,14 @@
       </p:grpSpPr>
       <p:sp>
         <p:nvSpPr>
-          <p:cNvPr id="125" name="CustomShape 1"/>
+          <p:cNvPr id="85" name="CustomShape 1"/>
           <p:cNvSpPr/>
           <p:nvPr/>
         </p:nvSpPr>
         <p:spPr>
           <a:xfrm>
-            <a:off x="1440000" y="900000"/>
-            <a:ext cx="7204680" cy="1260000"/>
+            <a:off x="1436040" y="1260000"/>
+            <a:ext cx="7203960" cy="1259280"/>
           </a:xfrm>
           <a:prstGeom prst="rect">
             <a:avLst/>
@@ -5315,14 +3647,14 @@
       </p:sp>
       <p:sp>
         <p:nvSpPr>
-          <p:cNvPr id="126" name="CustomShape 2"/>
+          <p:cNvPr id="86" name="CustomShape 2"/>
           <p:cNvSpPr/>
           <p:nvPr/>
         </p:nvSpPr>
         <p:spPr>
           <a:xfrm>
             <a:off x="4698720" y="3108960"/>
-            <a:ext cx="3541320" cy="783720"/>
+            <a:ext cx="3540600" cy="783000"/>
           </a:xfrm>
           <a:prstGeom prst="rect">
             <a:avLst/>
@@ -5341,14 +3673,14 @@
       </p:sp>
       <p:sp>
         <p:nvSpPr>
-          <p:cNvPr id="127" name="CustomShape 3"/>
+          <p:cNvPr id="87" name="CustomShape 3"/>
           <p:cNvSpPr/>
           <p:nvPr/>
         </p:nvSpPr>
         <p:spPr>
           <a:xfrm>
             <a:off x="8523000" y="4641480"/>
-            <a:ext cx="460080" cy="290880"/>
+            <a:ext cx="459360" cy="290160"/>
           </a:xfrm>
           <a:prstGeom prst="rect">
             <a:avLst/>
@@ -5377,7 +3709,7 @@
                 <a:tab algn="l" pos="0"/>
               </a:tabLst>
             </a:pPr>
-            <a:fld id="{0B92B76D-F35A-445F-ACF5-3E62111215A6}" type="slidenum">
+            <a:fld id="{933537FA-D966-4101-95ED-BEBC6700E281}" type="slidenum">
               <a:rPr b="0" lang="en" sz="1000" spc="-1" strike="noStrike">
                 <a:solidFill>
                   <a:srgbClr val="ffffff"/>
@@ -5397,10 +3729,14 @@
   </p:cSld>
   <mc:AlternateContent>
     <mc:Choice Requires="p14">
-      <p:transition spd="slow" p14:dur="2000"/>
+      <p:transition p14:dur="300">
+        <p14:prism isInverted="true"/>
+      </p:transition>
     </mc:Choice>
     <mc:Fallback>
-      <p:transition spd="slow"/>
+      <p:transition>
+        <p:fade/>
+      </p:transition>
     </mc:Fallback>
   </mc:AlternateContent>
 </p:sld>
@@ -5425,14 +3761,14 @@
       </p:grpSpPr>
       <p:sp>
         <p:nvSpPr>
-          <p:cNvPr id="152" name="CustomShape 1"/>
+          <p:cNvPr id="112" name="CustomShape 1"/>
           <p:cNvSpPr/>
           <p:nvPr/>
         </p:nvSpPr>
         <p:spPr>
           <a:xfrm>
             <a:off x="404280" y="493920"/>
-            <a:ext cx="8228520" cy="412200"/>
+            <a:ext cx="8227800" cy="411480"/>
           </a:xfrm>
           <a:prstGeom prst="rect">
             <a:avLst/>
@@ -5451,14 +3787,14 @@
       </p:sp>
       <p:sp>
         <p:nvSpPr>
-          <p:cNvPr id="153" name="CustomShape 2"/>
+          <p:cNvPr id="113" name="CustomShape 2"/>
           <p:cNvSpPr/>
           <p:nvPr/>
         </p:nvSpPr>
         <p:spPr>
           <a:xfrm>
             <a:off x="416520" y="360000"/>
-            <a:ext cx="8177760" cy="4402800"/>
+            <a:ext cx="8177040" cy="4402080"/>
           </a:xfrm>
           <a:prstGeom prst="rect">
             <a:avLst/>
@@ -5491,16 +3827,16 @@
               </a:tabLst>
             </a:pPr>
             <a:r>
-              <a:rPr b="0" lang="en" sz="2400" spc="-1" strike="noStrike">
+              <a:rPr b="1" lang="en" sz="2800" spc="-1" strike="noStrike">
                 <a:solidFill>
                   <a:srgbClr val="ffffff"/>
                 </a:solidFill>
                 <a:latin typeface="Courier New"/>
                 <a:ea typeface="Courier New"/>
               </a:rPr>
-              <a:t>Stream pipeline will start from source to one or more operations and a terminal operation    </a:t>
-            </a:r>
-            <a:endParaRPr b="0" lang="en-IN" sz="2400" spc="-1" strike="noStrike">
+              <a:t>Streams</a:t>
+            </a:r>
+            <a:endParaRPr b="0" lang="en-IN" sz="2800" spc="-1" strike="noStrike">
               <a:latin typeface="Arial"/>
             </a:endParaRPr>
           </a:p>
@@ -5516,6 +3852,16 @@
                 <a:tab algn="l" pos="0"/>
               </a:tabLst>
             </a:pPr>
+            <a:r>
+              <a:rPr b="0" lang="en" sz="2400" spc="-1" strike="noStrike">
+                <a:solidFill>
+                  <a:srgbClr val="ffffff"/>
+                </a:solidFill>
+                <a:latin typeface="Courier New"/>
+                <a:ea typeface="Courier New"/>
+              </a:rPr>
+              <a:t>*The whole idea of Java streams is to enable functional-style operations on streams of elements. A stream is an abstraction.</a:t>
+            </a:r>
             <a:endParaRPr b="0" lang="en-IN" sz="2400" spc="-1" strike="noStrike">
               <a:latin typeface="Arial"/>
             </a:endParaRPr>
@@ -5532,16 +3878,6 @@
                 <a:tab algn="l" pos="0"/>
               </a:tabLst>
             </a:pPr>
-            <a:r>
-              <a:rPr b="0" lang="en" sz="2400" spc="-1" strike="noStrike">
-                <a:solidFill>
-                  <a:srgbClr val="ffffff"/>
-                </a:solidFill>
-                <a:latin typeface="Courier New"/>
-                <a:ea typeface="Courier New"/>
-              </a:rPr>
-              <a:t> </a:t>
-            </a:r>
             <a:endParaRPr b="0" lang="en-IN" sz="2400" spc="-1" strike="noStrike">
               <a:latin typeface="Arial"/>
             </a:endParaRPr>
@@ -5566,24 +3902,92 @@
                 <a:latin typeface="Courier New"/>
                 <a:ea typeface="Courier New"/>
               </a:rPr>
+              <a:t>*Simply, streams are wrappers around a data source, allowing us to operate with that data source and making bulk processing convenient and fast.</a:t>
+            </a:r>
+            <a:endParaRPr b="0" lang="en-IN" sz="2400" spc="-1" strike="noStrike">
+              <a:latin typeface="Arial"/>
+            </a:endParaRPr>
+          </a:p>
+          <a:p>
+            <a:pPr>
+              <a:lnSpc>
+                <a:spcPct val="100000"/>
+              </a:lnSpc>
+              <a:spcBef>
+                <a:spcPts val="601"/>
+              </a:spcBef>
+              <a:tabLst>
+                <a:tab algn="l" pos="0"/>
+              </a:tabLst>
+            </a:pPr>
+            <a:endParaRPr b="0" lang="en-IN" sz="2400" spc="-1" strike="noStrike">
+              <a:latin typeface="Arial"/>
+            </a:endParaRPr>
+          </a:p>
+          <a:p>
+            <a:pPr>
+              <a:lnSpc>
+                <a:spcPct val="100000"/>
+              </a:lnSpc>
+              <a:spcBef>
+                <a:spcPts val="601"/>
+              </a:spcBef>
+              <a:tabLst>
+                <a:tab algn="l" pos="0"/>
+              </a:tabLst>
+            </a:pPr>
+            <a:r>
+              <a:rPr b="0" lang="en" sz="2400" spc="-1" strike="noStrike">
+                <a:solidFill>
+                  <a:srgbClr val="ffffff"/>
+                </a:solidFill>
+                <a:latin typeface="Courier New"/>
+                <a:ea typeface="Courier New"/>
+              </a:rPr>
               <a:t> </a:t>
             </a:r>
             <a:endParaRPr b="0" lang="en-IN" sz="2400" spc="-1" strike="noStrike">
               <a:latin typeface="Arial"/>
             </a:endParaRPr>
           </a:p>
-        </p:txBody>
-      </p:sp>
-      <p:sp>
-        <p:nvSpPr>
-          <p:cNvPr id="154" name="CustomShape 3"/>
+          <a:p>
+            <a:pPr>
+              <a:lnSpc>
+                <a:spcPct val="100000"/>
+              </a:lnSpc>
+              <a:spcBef>
+                <a:spcPts val="601"/>
+              </a:spcBef>
+              <a:tabLst>
+                <a:tab algn="l" pos="0"/>
+              </a:tabLst>
+            </a:pPr>
+            <a:r>
+              <a:rPr b="0" lang="en" sz="2400" spc="-1" strike="noStrike">
+                <a:solidFill>
+                  <a:srgbClr val="ffffff"/>
+                </a:solidFill>
+                <a:latin typeface="Courier New"/>
+                <a:ea typeface="Courier New"/>
+              </a:rPr>
+              <a:t> </a:t>
+            </a:r>
+            <a:endParaRPr b="0" lang="en-IN" sz="2400" spc="-1" strike="noStrike">
+              <a:latin typeface="Arial"/>
+            </a:endParaRPr>
+          </a:p>
+        </p:txBody>
+      </p:sp>
+      <p:sp>
+        <p:nvSpPr>
+          <p:cNvPr id="114" name="CustomShape 3"/>
           <p:cNvSpPr/>
           <p:nvPr/>
         </p:nvSpPr>
         <p:spPr>
           <a:xfrm>
             <a:off x="8523000" y="4641480"/>
-            <a:ext cx="460080" cy="290880"/>
+            <a:ext cx="459360" cy="290160"/>
           </a:xfrm>
           <a:prstGeom prst="rect">
             <a:avLst/>
@@ -5612,7 +4016,7 @@
                 <a:tab algn="l" pos="0"/>
               </a:tabLst>
             </a:pPr>
-            <a:fld id="{0DA28CC5-3DE3-4EAE-9683-F7ED9AB5A9F3}" type="slidenum">
+            <a:fld id="{FB566503-6592-4012-908E-AD26CB20447D}" type="slidenum">
               <a:rPr b="0" lang="en" sz="1000" spc="-1" strike="noStrike">
                 <a:solidFill>
                   <a:srgbClr val="ffffff"/>
@@ -5632,10 +4036,14 @@
   </p:cSld>
   <mc:AlternateContent>
     <mc:Choice Requires="p14">
-      <p:transition spd="slow" p14:dur="2000"/>
+      <p:transition p14:dur="300">
+        <p14:prism isInverted="true"/>
+      </p:transition>
     </mc:Choice>
     <mc:Fallback>
-      <p:transition spd="slow"/>
+      <p:transition>
+        <p:fade/>
+      </p:transition>
     </mc:Fallback>
   </mc:AlternateContent>
 </p:sld>
@@ -5660,14 +4068,14 @@
       </p:grpSpPr>
       <p:sp>
         <p:nvSpPr>
-          <p:cNvPr id="155" name="CustomShape 1"/>
+          <p:cNvPr id="115" name="CustomShape 1"/>
           <p:cNvSpPr/>
           <p:nvPr/>
         </p:nvSpPr>
         <p:spPr>
           <a:xfrm>
             <a:off x="404280" y="493920"/>
-            <a:ext cx="8228520" cy="412200"/>
+            <a:ext cx="8227800" cy="411480"/>
           </a:xfrm>
           <a:prstGeom prst="rect">
             <a:avLst/>
@@ -5686,14 +4094,14 @@
       </p:sp>
       <p:sp>
         <p:nvSpPr>
-          <p:cNvPr id="156" name="CustomShape 2"/>
+          <p:cNvPr id="116" name="CustomShape 2"/>
           <p:cNvSpPr/>
           <p:nvPr/>
         </p:nvSpPr>
         <p:spPr>
           <a:xfrm>
             <a:off x="416520" y="360000"/>
-            <a:ext cx="8177760" cy="4402800"/>
+            <a:ext cx="8177040" cy="4402080"/>
           </a:xfrm>
           <a:prstGeom prst="rect">
             <a:avLst/>
@@ -5733,7 +4141,7 @@
                 <a:latin typeface="Courier New"/>
                 <a:ea typeface="Courier New"/>
               </a:rPr>
-              <a:t>[Source]--&gt;[IntermediateOperations]--&gt;[Terminal Operation]</a:t>
+              <a:t>{STREAM PIPELINE}</a:t>
             </a:r>
             <a:endParaRPr b="0" lang="en-IN" sz="2400" spc="-1" strike="noStrike">
               <a:latin typeface="Arial"/>
@@ -5751,6 +4159,16 @@
                 <a:tab algn="l" pos="0"/>
               </a:tabLst>
             </a:pPr>
+            <a:r>
+              <a:rPr b="0" lang="en" sz="2400" spc="-1" strike="noStrike">
+                <a:solidFill>
+                  <a:srgbClr val="ffffff"/>
+                </a:solidFill>
+                <a:latin typeface="Courier New"/>
+                <a:ea typeface="Courier New"/>
+              </a:rPr>
+              <a:t>* Stream pipeline will start from source to one or more operations and a terminal operation    </a:t>
+            </a:r>
             <a:endParaRPr b="0" lang="en-IN" sz="2400" spc="-1" strike="noStrike">
               <a:latin typeface="Arial"/>
             </a:endParaRPr>
@@ -5767,26 +4185,6 @@
                 <a:tab algn="l" pos="0"/>
               </a:tabLst>
             </a:pPr>
-            <a:r>
-              <a:rPr b="0" lang="en" sz="2400" spc="-1" strike="noStrike">
-                <a:solidFill>
-                  <a:srgbClr val="ffffff"/>
-                </a:solidFill>
-                <a:latin typeface="Courier New"/>
-                <a:ea typeface="Courier New"/>
-              </a:rPr>
-              <a:t>*Source-</a:t>
-            </a:r>
-            <a:r>
-              <a:rPr b="0" lang="en" sz="2400" spc="-1" strike="noStrike">
-                <a:solidFill>
-                  <a:srgbClr val="ffffff"/>
-                </a:solidFill>
-                <a:latin typeface="Courier New"/>
-                <a:ea typeface="Courier New"/>
-              </a:rPr>
-              <a:t> Collections,lists,sets,arrays,ints,longs etc</a:t>
-            </a:r>
             <a:endParaRPr b="0" lang="en-IN" sz="2400" spc="-1" strike="noStrike">
               <a:latin typeface="Arial"/>
             </a:endParaRPr>
@@ -5803,16 +4201,6 @@
                 <a:tab algn="l" pos="0"/>
               </a:tabLst>
             </a:pPr>
-            <a:r>
-              <a:rPr b="0" lang="en" sz="2400" spc="-1" strike="noStrike">
-                <a:solidFill>
-                  <a:srgbClr val="ffffff"/>
-                </a:solidFill>
-                <a:latin typeface="Courier New"/>
-                <a:ea typeface="Courier New"/>
-              </a:rPr>
-              <a:t>*Intermediate Opeartions- filter/map/sort etc </a:t>
-            </a:r>
             <a:endParaRPr b="0" lang="en-IN" sz="2400" spc="-1" strike="noStrike">
               <a:latin typeface="Arial"/>
             </a:endParaRPr>
@@ -5837,7 +4225,7 @@
                 <a:latin typeface="Courier New"/>
                 <a:ea typeface="Courier New"/>
               </a:rPr>
-              <a:t>*TerminalOperation- count/max/min/forEach/collect/reduce/return void/return non streamresult    </a:t>
+              <a:t>[Source]----&gt;[IntermediateOperations]----&gt;[Terminal Operation]    </a:t>
             </a:r>
             <a:endParaRPr b="0" lang="en-IN" sz="2400" spc="-1" strike="noStrike">
               <a:latin typeface="Arial"/>
@@ -5915,14 +4303,14 @@
       </p:sp>
       <p:sp>
         <p:nvSpPr>
-          <p:cNvPr id="157" name="CustomShape 3"/>
+          <p:cNvPr id="117" name="CustomShape 3"/>
           <p:cNvSpPr/>
           <p:nvPr/>
         </p:nvSpPr>
         <p:spPr>
           <a:xfrm>
             <a:off x="8523000" y="4641480"/>
-            <a:ext cx="460080" cy="290880"/>
+            <a:ext cx="459360" cy="290160"/>
           </a:xfrm>
           <a:prstGeom prst="rect">
             <a:avLst/>
@@ -5951,7 +4339,7 @@
                 <a:tab algn="l" pos="0"/>
               </a:tabLst>
             </a:pPr>
-            <a:fld id="{B7FA69E5-07BA-46FE-B1E5-A4709D60FF8C}" type="slidenum">
+            <a:fld id="{2C502D74-E5EC-4171-85AC-7731DDABA58E}" type="slidenum">
               <a:rPr b="0" lang="en" sz="1000" spc="-1" strike="noStrike">
                 <a:solidFill>
                   <a:srgbClr val="ffffff"/>
@@ -5971,10 +4359,14 @@
   </p:cSld>
   <mc:AlternateContent>
     <mc:Choice Requires="p14">
-      <p:transition spd="slow" p14:dur="2000"/>
+      <p:transition p14:dur="300">
+        <p14:prism isInverted="true"/>
+      </p:transition>
     </mc:Choice>
     <mc:Fallback>
-      <p:transition spd="slow"/>
+      <p:transition>
+        <p:fade/>
+      </p:transition>
     </mc:Fallback>
   </mc:AlternateContent>
 </p:sld>
@@ -5999,14 +4391,14 @@
       </p:grpSpPr>
       <p:sp>
         <p:nvSpPr>
-          <p:cNvPr id="158" name="CustomShape 1"/>
+          <p:cNvPr id="118" name="CustomShape 1"/>
           <p:cNvSpPr/>
           <p:nvPr/>
         </p:nvSpPr>
         <p:spPr>
           <a:xfrm>
-            <a:off x="921240" y="1284840"/>
-            <a:ext cx="7204680" cy="1158840"/>
+            <a:off x="404280" y="493920"/>
+            <a:ext cx="8227800" cy="411480"/>
           </a:xfrm>
           <a:prstGeom prst="rect">
             <a:avLst/>
@@ -6022,56 +4414,17 @@
           <a:effectRef idx="0"/>
           <a:fontRef idx="minor"/>
         </p:style>
-        <p:txBody>
-          <a:bodyPr lIns="90000" rIns="90000" tIns="91440" bIns="91440">
-            <a:noAutofit/>
-          </a:bodyPr>
-          <a:p>
-            <a:pPr>
-              <a:lnSpc>
-                <a:spcPct val="100000"/>
-              </a:lnSpc>
-              <a:tabLst>
-                <a:tab algn="l" pos="0"/>
-              </a:tabLst>
-            </a:pPr>
-            <a:r>
-              <a:rPr b="1" lang="en" sz="6000" spc="-1" strike="noStrike">
-                <a:solidFill>
-                  <a:srgbClr val="9fc5e8"/>
-                </a:solidFill>
-                <a:latin typeface="Courier New"/>
-                <a:ea typeface="Courier New"/>
-              </a:rPr>
-              <a:t>5</a:t>
-            </a:r>
-            <a:br/>
-            <a:r>
-              <a:rPr b="1" lang="en" sz="3600" spc="-1" strike="noStrike">
-                <a:solidFill>
-                  <a:srgbClr val="ffffff"/>
-                </a:solidFill>
-                <a:latin typeface="Courier New"/>
-                <a:ea typeface="Courier New"/>
-              </a:rPr>
-              <a:t>OPTIONALS</a:t>
-            </a:r>
-            <a:endParaRPr b="0" lang="en-IN" sz="3600" spc="-1" strike="noStrike">
-              <a:latin typeface="Arial"/>
-            </a:endParaRPr>
-          </a:p>
-        </p:txBody>
-      </p:sp>
-      <p:sp>
-        <p:nvSpPr>
-          <p:cNvPr id="159" name="CustomShape 2"/>
+      </p:sp>
+      <p:sp>
+        <p:nvSpPr>
+          <p:cNvPr id="119" name="CustomShape 2"/>
           <p:cNvSpPr/>
           <p:nvPr/>
         </p:nvSpPr>
         <p:spPr>
           <a:xfrm>
-            <a:off x="4698720" y="3108960"/>
-            <a:ext cx="3541320" cy="783720"/>
+            <a:off x="416520" y="360000"/>
+            <a:ext cx="8177040" cy="4402080"/>
           </a:xfrm>
           <a:prstGeom prst="rect">
             <a:avLst/>
@@ -6087,17 +4440,210 @@
           <a:effectRef idx="0"/>
           <a:fontRef idx="minor"/>
         </p:style>
-      </p:sp>
-      <p:sp>
-        <p:nvSpPr>
-          <p:cNvPr id="160" name="CustomShape 3"/>
+        <p:txBody>
+          <a:bodyPr lIns="90000" rIns="90000" tIns="91440" bIns="91440">
+            <a:noAutofit/>
+          </a:bodyPr>
+          <a:p>
+            <a:pPr>
+              <a:lnSpc>
+                <a:spcPct val="100000"/>
+              </a:lnSpc>
+              <a:spcBef>
+                <a:spcPts val="601"/>
+              </a:spcBef>
+              <a:tabLst>
+                <a:tab algn="l" pos="0"/>
+              </a:tabLst>
+            </a:pPr>
+            <a:r>
+              <a:rPr b="0" lang="en" sz="2400" spc="-1" strike="noStrike">
+                <a:solidFill>
+                  <a:srgbClr val="ffffff"/>
+                </a:solidFill>
+                <a:latin typeface="Courier New"/>
+                <a:ea typeface="Courier New"/>
+              </a:rPr>
+              <a:t>*Source- Collections,lists,sets,arrays,ints,longs etc</a:t>
+            </a:r>
+            <a:endParaRPr b="0" lang="en-IN" sz="2400" spc="-1" strike="noStrike">
+              <a:latin typeface="Arial"/>
+            </a:endParaRPr>
+          </a:p>
+          <a:p>
+            <a:pPr>
+              <a:lnSpc>
+                <a:spcPct val="100000"/>
+              </a:lnSpc>
+              <a:spcBef>
+                <a:spcPts val="601"/>
+              </a:spcBef>
+              <a:tabLst>
+                <a:tab algn="l" pos="0"/>
+              </a:tabLst>
+            </a:pPr>
+            <a:endParaRPr b="0" lang="en-IN" sz="2400" spc="-1" strike="noStrike">
+              <a:latin typeface="Arial"/>
+            </a:endParaRPr>
+          </a:p>
+          <a:p>
+            <a:pPr>
+              <a:lnSpc>
+                <a:spcPct val="100000"/>
+              </a:lnSpc>
+              <a:spcBef>
+                <a:spcPts val="601"/>
+              </a:spcBef>
+              <a:tabLst>
+                <a:tab algn="l" pos="0"/>
+              </a:tabLst>
+            </a:pPr>
+            <a:r>
+              <a:rPr b="0" lang="en" sz="2400" spc="-1" strike="noStrike">
+                <a:solidFill>
+                  <a:srgbClr val="ffffff"/>
+                </a:solidFill>
+                <a:latin typeface="Courier New"/>
+                <a:ea typeface="Courier New"/>
+              </a:rPr>
+              <a:t>*Intermediate Opeartions- filter/map/sort etc</a:t>
+            </a:r>
+            <a:endParaRPr b="0" lang="en-IN" sz="2400" spc="-1" strike="noStrike">
+              <a:latin typeface="Arial"/>
+            </a:endParaRPr>
+          </a:p>
+          <a:p>
+            <a:pPr>
+              <a:lnSpc>
+                <a:spcPct val="100000"/>
+              </a:lnSpc>
+              <a:spcBef>
+                <a:spcPts val="601"/>
+              </a:spcBef>
+              <a:tabLst>
+                <a:tab algn="l" pos="0"/>
+              </a:tabLst>
+            </a:pPr>
+            <a:r>
+              <a:rPr b="0" lang="en" sz="2400" spc="-1" strike="noStrike">
+                <a:solidFill>
+                  <a:srgbClr val="ffffff"/>
+                </a:solidFill>
+                <a:latin typeface="Courier New"/>
+                <a:ea typeface="Courier New"/>
+              </a:rPr>
+              <a:t> </a:t>
+            </a:r>
+            <a:endParaRPr b="0" lang="en-IN" sz="2400" spc="-1" strike="noStrike">
+              <a:latin typeface="Arial"/>
+            </a:endParaRPr>
+          </a:p>
+          <a:p>
+            <a:pPr>
+              <a:lnSpc>
+                <a:spcPct val="100000"/>
+              </a:lnSpc>
+              <a:spcBef>
+                <a:spcPts val="601"/>
+              </a:spcBef>
+              <a:tabLst>
+                <a:tab algn="l" pos="0"/>
+              </a:tabLst>
+            </a:pPr>
+            <a:r>
+              <a:rPr b="0" lang="en" sz="2400" spc="-1" strike="noStrike">
+                <a:solidFill>
+                  <a:srgbClr val="ffffff"/>
+                </a:solidFill>
+                <a:latin typeface="Courier New"/>
+                <a:ea typeface="Courier New"/>
+              </a:rPr>
+              <a:t>*TerminalOperation- count/max/min/forEach/collect/reduce/return void/return non streamresult    </a:t>
+            </a:r>
+            <a:endParaRPr b="0" lang="en-IN" sz="2400" spc="-1" strike="noStrike">
+              <a:latin typeface="Arial"/>
+            </a:endParaRPr>
+          </a:p>
+          <a:p>
+            <a:pPr>
+              <a:lnSpc>
+                <a:spcPct val="100000"/>
+              </a:lnSpc>
+              <a:spcBef>
+                <a:spcPts val="601"/>
+              </a:spcBef>
+              <a:tabLst>
+                <a:tab algn="l" pos="0"/>
+              </a:tabLst>
+            </a:pPr>
+            <a:endParaRPr b="0" lang="en-IN" sz="2400" spc="-1" strike="noStrike">
+              <a:latin typeface="Arial"/>
+            </a:endParaRPr>
+          </a:p>
+          <a:p>
+            <a:pPr>
+              <a:lnSpc>
+                <a:spcPct val="100000"/>
+              </a:lnSpc>
+              <a:spcBef>
+                <a:spcPts val="601"/>
+              </a:spcBef>
+              <a:tabLst>
+                <a:tab algn="l" pos="0"/>
+              </a:tabLst>
+            </a:pPr>
+            <a:r>
+              <a:rPr b="0" lang="en" sz="2400" spc="-1" strike="noStrike">
+                <a:solidFill>
+                  <a:srgbClr val="ffffff"/>
+                </a:solidFill>
+                <a:latin typeface="Courier New"/>
+                <a:ea typeface="Courier New"/>
+              </a:rPr>
+              <a:t> </a:t>
+            </a:r>
+            <a:endParaRPr b="0" lang="en-IN" sz="2400" spc="-1" strike="noStrike">
+              <a:latin typeface="Arial"/>
+            </a:endParaRPr>
+          </a:p>
+          <a:p>
+            <a:pPr>
+              <a:lnSpc>
+                <a:spcPct val="100000"/>
+              </a:lnSpc>
+              <a:spcBef>
+                <a:spcPts val="601"/>
+              </a:spcBef>
+              <a:tabLst>
+                <a:tab algn="l" pos="0"/>
+              </a:tabLst>
+            </a:pPr>
+            <a:r>
+              <a:rPr b="0" lang="en" sz="2400" spc="-1" strike="noStrike">
+                <a:solidFill>
+                  <a:srgbClr val="ffffff"/>
+                </a:solidFill>
+                <a:latin typeface="Courier New"/>
+                <a:ea typeface="Courier New"/>
+              </a:rPr>
+              <a:t> </a:t>
+            </a:r>
+            <a:endParaRPr b="0" lang="en-IN" sz="2400" spc="-1" strike="noStrike">
+              <a:latin typeface="Arial"/>
+            </a:endParaRPr>
+          </a:p>
+        </p:txBody>
+      </p:sp>
+      <p:sp>
+        <p:nvSpPr>
+          <p:cNvPr id="120" name="CustomShape 3"/>
           <p:cNvSpPr/>
           <p:nvPr/>
         </p:nvSpPr>
         <p:spPr>
           <a:xfrm>
             <a:off x="8523000" y="4641480"/>
-            <a:ext cx="460080" cy="290880"/>
+            <a:ext cx="459360" cy="290160"/>
           </a:xfrm>
           <a:prstGeom prst="rect">
             <a:avLst/>
@@ -6126,7 +4672,7 @@
                 <a:tab algn="l" pos="0"/>
               </a:tabLst>
             </a:pPr>
-            <a:fld id="{61A0F1DC-CF19-4C18-B069-D8EE8D9D9277}" type="slidenum">
+            <a:fld id="{A270FF60-606F-45C2-8539-A5572D87A215}" type="slidenum">
               <a:rPr b="0" lang="en" sz="1000" spc="-1" strike="noStrike">
                 <a:solidFill>
                   <a:srgbClr val="ffffff"/>
@@ -6146,10 +4692,14 @@
   </p:cSld>
   <mc:AlternateContent>
     <mc:Choice Requires="p14">
-      <p:transition spd="slow" p14:dur="2000"/>
+      <p:transition p14:dur="300">
+        <p14:prism isInverted="true"/>
+      </p:transition>
     </mc:Choice>
     <mc:Fallback>
-      <p:transition spd="slow"/>
+      <p:transition>
+        <p:fade/>
+      </p:transition>
     </mc:Fallback>
   </mc:AlternateContent>
 </p:sld>
@@ -6174,14 +4724,14 @@
       </p:grpSpPr>
       <p:sp>
         <p:nvSpPr>
-          <p:cNvPr id="161" name="CustomShape 1"/>
+          <p:cNvPr id="121" name="CustomShape 1"/>
           <p:cNvSpPr/>
           <p:nvPr/>
         </p:nvSpPr>
         <p:spPr>
           <a:xfrm>
             <a:off x="921240" y="1284840"/>
-            <a:ext cx="7204680" cy="1158840"/>
+            <a:ext cx="7203960" cy="1158120"/>
           </a:xfrm>
           <a:prstGeom prst="rect">
             <a:avLst/>
@@ -6218,7 +4768,7 @@
                 <a:latin typeface="Courier New"/>
                 <a:ea typeface="Courier New"/>
               </a:rPr>
-              <a:t>6</a:t>
+              <a:t>5</a:t>
             </a:r>
             <a:br/>
             <a:r>
@@ -6229,7 +4779,7 @@
                 <a:latin typeface="Courier New"/>
                 <a:ea typeface="Courier New"/>
               </a:rPr>
-              <a:t>PREDICATES</a:t>
+              <a:t>OPTIONALS</a:t>
             </a:r>
             <a:endParaRPr b="0" lang="en-IN" sz="3600" spc="-1" strike="noStrike">
               <a:latin typeface="Arial"/>
@@ -6239,14 +4789,14 @@
       </p:sp>
       <p:sp>
         <p:nvSpPr>
-          <p:cNvPr id="162" name="CustomShape 2"/>
+          <p:cNvPr id="122" name="CustomShape 2"/>
           <p:cNvSpPr/>
           <p:nvPr/>
         </p:nvSpPr>
         <p:spPr>
           <a:xfrm>
             <a:off x="4698720" y="3108960"/>
-            <a:ext cx="3541320" cy="783720"/>
+            <a:ext cx="3540600" cy="783000"/>
           </a:xfrm>
           <a:prstGeom prst="rect">
             <a:avLst/>
@@ -6265,14 +4815,14 @@
       </p:sp>
       <p:sp>
         <p:nvSpPr>
-          <p:cNvPr id="163" name="CustomShape 3"/>
+          <p:cNvPr id="123" name="CustomShape 3"/>
           <p:cNvSpPr/>
           <p:nvPr/>
         </p:nvSpPr>
         <p:spPr>
           <a:xfrm>
             <a:off x="8523000" y="4641480"/>
-            <a:ext cx="460080" cy="290880"/>
+            <a:ext cx="459360" cy="290160"/>
           </a:xfrm>
           <a:prstGeom prst="rect">
             <a:avLst/>
@@ -6301,7 +4851,7 @@
                 <a:tab algn="l" pos="0"/>
               </a:tabLst>
             </a:pPr>
-            <a:fld id="{D0DFDEA7-50DF-4D05-BEBE-69957C584BDD}" type="slidenum">
+            <a:fld id="{6481FE62-BC17-40EF-91E1-20657E307255}" type="slidenum">
               <a:rPr b="0" lang="en" sz="1000" spc="-1" strike="noStrike">
                 <a:solidFill>
                   <a:srgbClr val="ffffff"/>
@@ -6321,10 +4871,357 @@
   </p:cSld>
   <mc:AlternateContent>
     <mc:Choice Requires="p14">
-      <p:transition spd="slow" p14:dur="2000"/>
+      <p:transition p14:dur="300">
+        <p14:prism isInverted="true"/>
+      </p:transition>
     </mc:Choice>
     <mc:Fallback>
-      <p:transition spd="slow"/>
+      <p:transition>
+        <p:fade/>
+      </p:transition>
+    </mc:Fallback>
+  </mc:AlternateContent>
+</p:sld>
+</file>
+
+<file path=ppt/slides/slide14.xml><?xml version="1.0" encoding="utf-8"?>
+<p:sld xmlns:a="http://schemas.openxmlformats.org/drawingml/2006/main" xmlns:p="http://schemas.openxmlformats.org/presentationml/2006/main" xmlns:r="http://schemas.openxmlformats.org/officeDocument/2006/relationships" xmlns:p14="http://schemas.microsoft.com/office/powerpoint/2010/main" xmlns:p15="http://schemas.microsoft.com/office/powerpoint/2012/main" xmlns:mc="http://schemas.openxmlformats.org/markup-compatibility/2006">
+  <p:cSld>
+    <p:spTree>
+      <p:nvGrpSpPr>
+        <p:cNvPr id="1" name=""/>
+        <p:cNvGrpSpPr/>
+        <p:nvPr/>
+      </p:nvGrpSpPr>
+      <p:grpSpPr>
+        <a:xfrm>
+          <a:off x="0" y="0"/>
+          <a:ext cx="0" cy="0"/>
+          <a:chOff x="0" y="0"/>
+          <a:chExt cx="0" cy="0"/>
+        </a:xfrm>
+      </p:grpSpPr>
+      <p:sp>
+        <p:nvSpPr>
+          <p:cNvPr id="124" name="CustomShape 1"/>
+          <p:cNvSpPr/>
+          <p:nvPr/>
+        </p:nvSpPr>
+        <p:spPr>
+          <a:xfrm>
+            <a:off x="404280" y="493920"/>
+            <a:ext cx="8227800" cy="411480"/>
+          </a:xfrm>
+          <a:prstGeom prst="rect">
+            <a:avLst/>
+          </a:prstGeom>
+          <a:noFill/>
+          <a:ln w="0">
+            <a:noFill/>
+          </a:ln>
+        </p:spPr>
+        <p:style>
+          <a:lnRef idx="0"/>
+          <a:fillRef idx="0"/>
+          <a:effectRef idx="0"/>
+          <a:fontRef idx="minor"/>
+        </p:style>
+      </p:sp>
+      <p:sp>
+        <p:nvSpPr>
+          <p:cNvPr id="125" name="CustomShape 2"/>
+          <p:cNvSpPr/>
+          <p:nvPr/>
+        </p:nvSpPr>
+        <p:spPr>
+          <a:xfrm>
+            <a:off x="416520" y="360000"/>
+            <a:ext cx="8177040" cy="4402080"/>
+          </a:xfrm>
+          <a:prstGeom prst="rect">
+            <a:avLst/>
+          </a:prstGeom>
+          <a:noFill/>
+          <a:ln w="0">
+            <a:noFill/>
+          </a:ln>
+        </p:spPr>
+        <p:style>
+          <a:lnRef idx="0"/>
+          <a:fillRef idx="0"/>
+          <a:effectRef idx="0"/>
+          <a:fontRef idx="minor"/>
+        </p:style>
+        <p:txBody>
+          <a:bodyPr lIns="90000" rIns="90000" tIns="91440" bIns="91440">
+            <a:noAutofit/>
+          </a:bodyPr>
+          <a:p>
+            <a:pPr>
+              <a:lnSpc>
+                <a:spcPct val="100000"/>
+              </a:lnSpc>
+              <a:spcBef>
+                <a:spcPts val="601"/>
+              </a:spcBef>
+              <a:tabLst>
+                <a:tab algn="l" pos="0"/>
+              </a:tabLst>
+            </a:pPr>
+            <a:r>
+              <a:rPr b="1" lang="en" sz="2800" spc="-1" strike="noStrike">
+                <a:solidFill>
+                  <a:srgbClr val="ffffff"/>
+                </a:solidFill>
+                <a:latin typeface="Courier New"/>
+                <a:ea typeface="Courier New"/>
+              </a:rPr>
+              <a:t>Optional</a:t>
+            </a:r>
+            <a:r>
+              <a:rPr b="0" lang="en" sz="2400" spc="-1" strike="noStrike">
+                <a:solidFill>
+                  <a:srgbClr val="ffffff"/>
+                </a:solidFill>
+                <a:latin typeface="Courier New"/>
+                <a:ea typeface="Courier New"/>
+              </a:rPr>
+              <a:t> is a container object used to contain not-null objects. Optional object is used to represent null with absent value</a:t>
+            </a:r>
+            <a:endParaRPr b="0" lang="en-IN" sz="2400" spc="-1" strike="noStrike">
+              <a:latin typeface="Arial"/>
+            </a:endParaRPr>
+          </a:p>
+          <a:p>
+            <a:pPr>
+              <a:lnSpc>
+                <a:spcPct val="100000"/>
+              </a:lnSpc>
+              <a:spcBef>
+                <a:spcPts val="601"/>
+              </a:spcBef>
+              <a:tabLst>
+                <a:tab algn="l" pos="0"/>
+              </a:tabLst>
+            </a:pPr>
+            <a:endParaRPr b="0" lang="en-IN" sz="2400" spc="-1" strike="noStrike">
+              <a:latin typeface="Arial"/>
+            </a:endParaRPr>
+          </a:p>
+          <a:p>
+            <a:pPr>
+              <a:lnSpc>
+                <a:spcPct val="100000"/>
+              </a:lnSpc>
+              <a:spcBef>
+                <a:spcPts val="601"/>
+              </a:spcBef>
+              <a:tabLst>
+                <a:tab algn="l" pos="0"/>
+              </a:tabLst>
+            </a:pPr>
+            <a:r>
+              <a:rPr b="0" lang="en" sz="2400" spc="-1" strike="noStrike">
+                <a:solidFill>
+                  <a:srgbClr val="ffffff"/>
+                </a:solidFill>
+                <a:latin typeface="Courier New"/>
+                <a:ea typeface="Courier New"/>
+              </a:rPr>
+              <a:t>*The intent of Java when releasing Optional was to use it as a return type, thus indicating that a method could return an empty value</a:t>
+            </a:r>
+            <a:endParaRPr b="0" lang="en-IN" sz="2400" spc="-1" strike="noStrike">
+              <a:latin typeface="Arial"/>
+            </a:endParaRPr>
+          </a:p>
+          <a:p>
+            <a:pPr>
+              <a:lnSpc>
+                <a:spcPct val="100000"/>
+              </a:lnSpc>
+              <a:spcBef>
+                <a:spcPts val="601"/>
+              </a:spcBef>
+              <a:tabLst>
+                <a:tab algn="l" pos="0"/>
+              </a:tabLst>
+            </a:pPr>
+            <a:r>
+              <a:rPr b="0" lang="en" sz="2400" spc="-1" strike="noStrike">
+                <a:solidFill>
+                  <a:srgbClr val="ffffff"/>
+                </a:solidFill>
+                <a:latin typeface="Courier New"/>
+                <a:ea typeface="Courier New"/>
+              </a:rPr>
+              <a:t> </a:t>
+            </a:r>
+            <a:endParaRPr b="0" lang="en-IN" sz="2400" spc="-1" strike="noStrike">
+              <a:latin typeface="Arial"/>
+            </a:endParaRPr>
+          </a:p>
+          <a:p>
+            <a:pPr>
+              <a:lnSpc>
+                <a:spcPct val="100000"/>
+              </a:lnSpc>
+              <a:spcBef>
+                <a:spcPts val="601"/>
+              </a:spcBef>
+              <a:tabLst>
+                <a:tab algn="l" pos="0"/>
+              </a:tabLst>
+            </a:pPr>
+            <a:r>
+              <a:rPr b="0" lang="en" sz="2400" spc="-1" strike="noStrike">
+                <a:solidFill>
+                  <a:srgbClr val="ffffff"/>
+                </a:solidFill>
+                <a:latin typeface="Courier New"/>
+                <a:ea typeface="Courier New"/>
+              </a:rPr>
+              <a:t>*Used to deal with NullPointerException   </a:t>
+            </a:r>
+            <a:endParaRPr b="0" lang="en-IN" sz="2400" spc="-1" strike="noStrike">
+              <a:latin typeface="Arial"/>
+            </a:endParaRPr>
+          </a:p>
+          <a:p>
+            <a:pPr>
+              <a:lnSpc>
+                <a:spcPct val="100000"/>
+              </a:lnSpc>
+              <a:spcBef>
+                <a:spcPts val="601"/>
+              </a:spcBef>
+              <a:tabLst>
+                <a:tab algn="l" pos="0"/>
+              </a:tabLst>
+            </a:pPr>
+            <a:endParaRPr b="0" lang="en-IN" sz="2400" spc="-1" strike="noStrike">
+              <a:latin typeface="Arial"/>
+            </a:endParaRPr>
+          </a:p>
+          <a:p>
+            <a:pPr>
+              <a:lnSpc>
+                <a:spcPct val="100000"/>
+              </a:lnSpc>
+              <a:spcBef>
+                <a:spcPts val="601"/>
+              </a:spcBef>
+              <a:tabLst>
+                <a:tab algn="l" pos="0"/>
+              </a:tabLst>
+            </a:pPr>
+            <a:r>
+              <a:rPr b="0" lang="en" sz="2400" spc="-1" strike="noStrike">
+                <a:solidFill>
+                  <a:srgbClr val="ffffff"/>
+                </a:solidFill>
+                <a:latin typeface="Courier New"/>
+                <a:ea typeface="Courier New"/>
+              </a:rPr>
+              <a:t> </a:t>
+            </a:r>
+            <a:endParaRPr b="0" lang="en-IN" sz="2400" spc="-1" strike="noStrike">
+              <a:latin typeface="Arial"/>
+            </a:endParaRPr>
+          </a:p>
+          <a:p>
+            <a:pPr>
+              <a:lnSpc>
+                <a:spcPct val="100000"/>
+              </a:lnSpc>
+              <a:spcBef>
+                <a:spcPts val="601"/>
+              </a:spcBef>
+              <a:tabLst>
+                <a:tab algn="l" pos="0"/>
+              </a:tabLst>
+            </a:pPr>
+            <a:r>
+              <a:rPr b="0" lang="en" sz="2400" spc="-1" strike="noStrike">
+                <a:solidFill>
+                  <a:srgbClr val="ffffff"/>
+                </a:solidFill>
+                <a:latin typeface="Courier New"/>
+                <a:ea typeface="Courier New"/>
+              </a:rPr>
+              <a:t> </a:t>
+            </a:r>
+            <a:endParaRPr b="0" lang="en-IN" sz="2400" spc="-1" strike="noStrike">
+              <a:latin typeface="Arial"/>
+            </a:endParaRPr>
+          </a:p>
+        </p:txBody>
+      </p:sp>
+      <p:sp>
+        <p:nvSpPr>
+          <p:cNvPr id="126" name="CustomShape 3"/>
+          <p:cNvSpPr/>
+          <p:nvPr/>
+        </p:nvSpPr>
+        <p:spPr>
+          <a:xfrm>
+            <a:off x="8523000" y="4641480"/>
+            <a:ext cx="459360" cy="290160"/>
+          </a:xfrm>
+          <a:prstGeom prst="rect">
+            <a:avLst/>
+          </a:prstGeom>
+          <a:noFill/>
+          <a:ln w="0">
+            <a:noFill/>
+          </a:ln>
+        </p:spPr>
+        <p:style>
+          <a:lnRef idx="0"/>
+          <a:fillRef idx="0"/>
+          <a:effectRef idx="0"/>
+          <a:fontRef idx="minor"/>
+        </p:style>
+        <p:txBody>
+          <a:bodyPr lIns="90000" rIns="90000" tIns="91440" bIns="91440">
+            <a:noAutofit/>
+          </a:bodyPr>
+          <a:p>
+            <a:pPr algn="r">
+              <a:lnSpc>
+                <a:spcPct val="100000"/>
+              </a:lnSpc>
+              <a:tabLst>
+                <a:tab algn="l" pos="0"/>
+              </a:tabLst>
+            </a:pPr>
+            <a:fld id="{B34EFF68-4F7E-4298-9DFB-B563300795E8}" type="slidenum">
+              <a:rPr b="0" lang="en" sz="1000" spc="-1" strike="noStrike">
+                <a:solidFill>
+                  <a:srgbClr val="ffffff"/>
+                </a:solidFill>
+                <a:latin typeface="Courier New"/>
+                <a:ea typeface="Courier New"/>
+              </a:rPr>
+              <a:t>&lt;number&gt;</a:t>
+            </a:fld>
+            <a:endParaRPr b="0" lang="en-IN" sz="1000" spc="-1" strike="noStrike">
+              <a:latin typeface="Arial"/>
+            </a:endParaRPr>
+          </a:p>
+        </p:txBody>
+      </p:sp>
+    </p:spTree>
+  </p:cSld>
+  <mc:AlternateContent>
+    <mc:Choice Requires="p14">
+      <p:transition p14:dur="300">
+        <p14:prism isInverted="true"/>
+      </p:transition>
+    </mc:Choice>
+    <mc:Fallback>
+      <p:transition>
+        <p:fade/>
+      </p:transition>
     </mc:Fallback>
   </mc:AlternateContent>
 </p:sld>
@@ -6349,14 +5246,14 @@
       </p:grpSpPr>
       <p:sp>
         <p:nvSpPr>
-          <p:cNvPr id="128" name="CustomShape 1"/>
+          <p:cNvPr id="88" name="CustomShape 1"/>
           <p:cNvSpPr/>
           <p:nvPr/>
         </p:nvSpPr>
         <p:spPr>
           <a:xfrm>
             <a:off x="921240" y="1284840"/>
-            <a:ext cx="7204680" cy="1158840"/>
+            <a:ext cx="7203960" cy="1158120"/>
           </a:xfrm>
           <a:prstGeom prst="rect">
             <a:avLst/>
@@ -6414,14 +5311,14 @@
       </p:sp>
       <p:sp>
         <p:nvSpPr>
-          <p:cNvPr id="129" name="CustomShape 2"/>
+          <p:cNvPr id="89" name="CustomShape 2"/>
           <p:cNvSpPr/>
           <p:nvPr/>
         </p:nvSpPr>
         <p:spPr>
           <a:xfrm>
             <a:off x="4698720" y="3108960"/>
-            <a:ext cx="3541320" cy="783720"/>
+            <a:ext cx="3540600" cy="783000"/>
           </a:xfrm>
           <a:prstGeom prst="rect">
             <a:avLst/>
@@ -6440,14 +5337,14 @@
       </p:sp>
       <p:sp>
         <p:nvSpPr>
-          <p:cNvPr id="130" name="CustomShape 3"/>
+          <p:cNvPr id="90" name="CustomShape 3"/>
           <p:cNvSpPr/>
           <p:nvPr/>
         </p:nvSpPr>
         <p:spPr>
           <a:xfrm>
             <a:off x="8523000" y="4641480"/>
-            <a:ext cx="460080" cy="290880"/>
+            <a:ext cx="459360" cy="290160"/>
           </a:xfrm>
           <a:prstGeom prst="rect">
             <a:avLst/>
@@ -6476,7 +5373,7 @@
                 <a:tab algn="l" pos="0"/>
               </a:tabLst>
             </a:pPr>
-            <a:fld id="{D679FBAB-32D0-4562-8608-A767052C214F}" type="slidenum">
+            <a:fld id="{3B7332C5-0673-42F6-8FF5-2011361EF104}" type="slidenum">
               <a:rPr b="0" lang="en" sz="1000" spc="-1" strike="noStrike">
                 <a:solidFill>
                   <a:srgbClr val="ffffff"/>
@@ -6496,10 +5393,14 @@
   </p:cSld>
   <mc:AlternateContent>
     <mc:Choice Requires="p14">
-      <p:transition spd="slow" p14:dur="2000"/>
+      <p:transition p14:dur="300">
+        <p14:prism isInverted="true"/>
+      </p:transition>
     </mc:Choice>
     <mc:Fallback>
-      <p:transition spd="slow"/>
+      <p:transition>
+        <p:fade/>
+      </p:transition>
     </mc:Fallback>
   </mc:AlternateContent>
 </p:sld>
@@ -6524,14 +5425,14 @@
       </p:grpSpPr>
       <p:sp>
         <p:nvSpPr>
-          <p:cNvPr id="131" name="CustomShape 1"/>
+          <p:cNvPr id="91" name="CustomShape 1"/>
           <p:cNvSpPr/>
           <p:nvPr/>
         </p:nvSpPr>
         <p:spPr>
           <a:xfrm>
             <a:off x="404280" y="493920"/>
-            <a:ext cx="8228520" cy="412200"/>
+            <a:ext cx="8227800" cy="411480"/>
           </a:xfrm>
           <a:prstGeom prst="rect">
             <a:avLst/>
@@ -6550,14 +5451,14 @@
       </p:sp>
       <p:sp>
         <p:nvSpPr>
-          <p:cNvPr id="132" name="CustomShape 2"/>
+          <p:cNvPr id="92" name="CustomShape 2"/>
           <p:cNvSpPr/>
           <p:nvPr/>
         </p:nvSpPr>
         <p:spPr>
           <a:xfrm>
             <a:off x="416520" y="360000"/>
-            <a:ext cx="8177760" cy="4402800"/>
+            <a:ext cx="8177040" cy="4402080"/>
           </a:xfrm>
           <a:prstGeom prst="rect">
             <a:avLst/>
@@ -6590,16 +5491,16 @@
               </a:tabLst>
             </a:pPr>
             <a:r>
-              <a:rPr b="0" lang="en" sz="2400" spc="-1" strike="noStrike">
+              <a:rPr b="1" lang="en" sz="2800" spc="-1" strike="noStrike">
                 <a:solidFill>
                   <a:srgbClr val="ffffff"/>
                 </a:solidFill>
                 <a:latin typeface="Courier New"/>
                 <a:ea typeface="Courier New"/>
               </a:rPr>
-              <a:t>Functional Interface(SAM)</a:t>
-            </a:r>
-            <a:endParaRPr b="0" lang="en-IN" sz="2400" spc="-1" strike="noStrike">
+              <a:t>Functional Interface</a:t>
+            </a:r>
+            <a:endParaRPr b="0" lang="en-IN" sz="2800" spc="-1" strike="noStrike">
               <a:latin typeface="Arial"/>
             </a:endParaRPr>
           </a:p>
@@ -6625,6 +5526,16 @@
               </a:rPr>
               <a:t>* Interface having one abstract method</a:t>
             </a:r>
+            <a:r>
+              <a:rPr b="0" lang="en" sz="2400" spc="-1" strike="noStrike">
+                <a:solidFill>
+                  <a:srgbClr val="ffffff"/>
+                </a:solidFill>
+                <a:latin typeface="Courier New"/>
+                <a:ea typeface="Courier New"/>
+              </a:rPr>
+              <a:t>(SAM)</a:t>
+            </a:r>
             <a:endParaRPr b="0" lang="en-IN" sz="2400" spc="-1" strike="noStrike">
               <a:latin typeface="Arial"/>
             </a:endParaRPr>
@@ -6656,15 +5567,10 @@
             </a:endParaRPr>
           </a:p>
           <a:p>
-            <a:pPr marL="457200" indent="-342000">
+            <a:pPr>
               <a:lnSpc>
                 <a:spcPct val="115000"/>
               </a:lnSpc>
-              <a:buClr>
-                <a:srgbClr val="ffffff"/>
-              </a:buClr>
-              <a:buFont typeface="Cousine"/>
-              <a:buChar char="▪"/>
               <a:tabLst>
                 <a:tab algn="l" pos="0"/>
               </a:tabLst>
@@ -6749,15 +5655,10 @@
             </a:endParaRPr>
           </a:p>
           <a:p>
-            <a:pPr marL="457200" indent="-342000">
+            <a:pPr>
               <a:lnSpc>
                 <a:spcPct val="115000"/>
               </a:lnSpc>
-              <a:buClr>
-                <a:srgbClr val="ffffff"/>
-              </a:buClr>
-              <a:buFont typeface="Cousine"/>
-              <a:buChar char="▪"/>
               <a:tabLst>
                 <a:tab algn="l" pos="0"/>
               </a:tabLst>
@@ -6770,14 +5671,14 @@
       </p:sp>
       <p:sp>
         <p:nvSpPr>
-          <p:cNvPr id="133" name="CustomShape 3"/>
+          <p:cNvPr id="93" name="CustomShape 3"/>
           <p:cNvSpPr/>
           <p:nvPr/>
         </p:nvSpPr>
         <p:spPr>
           <a:xfrm>
             <a:off x="8523000" y="4641480"/>
-            <a:ext cx="460080" cy="290880"/>
+            <a:ext cx="459360" cy="290160"/>
           </a:xfrm>
           <a:prstGeom prst="rect">
             <a:avLst/>
@@ -6806,7 +5707,7 @@
                 <a:tab algn="l" pos="0"/>
               </a:tabLst>
             </a:pPr>
-            <a:fld id="{808677CD-C714-4487-9D2A-DD0636C4C0A8}" type="slidenum">
+            <a:fld id="{B3FB22E1-1E96-4D54-BADA-AAC893ACCBAC}" type="slidenum">
               <a:rPr b="0" lang="en" sz="1000" spc="-1" strike="noStrike">
                 <a:solidFill>
                   <a:srgbClr val="ffffff"/>
@@ -6826,10 +5727,14 @@
   </p:cSld>
   <mc:AlternateContent>
     <mc:Choice Requires="p14">
-      <p:transition spd="slow" p14:dur="2000"/>
+      <p:transition p14:dur="300">
+        <p14:prism isInverted="true"/>
+      </p:transition>
     </mc:Choice>
     <mc:Fallback>
-      <p:transition spd="slow"/>
+      <p:transition>
+        <p:fade/>
+      </p:transition>
     </mc:Fallback>
   </mc:AlternateContent>
 </p:sld>
@@ -6854,14 +5759,14 @@
       </p:grpSpPr>
       <p:sp>
         <p:nvSpPr>
-          <p:cNvPr id="134" name="CustomShape 1"/>
+          <p:cNvPr id="94" name="CustomShape 1"/>
           <p:cNvSpPr/>
           <p:nvPr/>
         </p:nvSpPr>
         <p:spPr>
           <a:xfrm>
             <a:off x="921240" y="1284840"/>
-            <a:ext cx="7204680" cy="1158840"/>
+            <a:ext cx="7203960" cy="1158120"/>
           </a:xfrm>
           <a:prstGeom prst="rect">
             <a:avLst/>
@@ -6919,14 +5824,14 @@
       </p:sp>
       <p:sp>
         <p:nvSpPr>
-          <p:cNvPr id="135" name="CustomShape 2"/>
+          <p:cNvPr id="95" name="CustomShape 2"/>
           <p:cNvSpPr/>
           <p:nvPr/>
         </p:nvSpPr>
         <p:spPr>
           <a:xfrm>
             <a:off x="4698720" y="3108960"/>
-            <a:ext cx="3541320" cy="783720"/>
+            <a:ext cx="3540600" cy="783000"/>
           </a:xfrm>
           <a:prstGeom prst="rect">
             <a:avLst/>
@@ -6945,14 +5850,14 @@
       </p:sp>
       <p:sp>
         <p:nvSpPr>
-          <p:cNvPr id="136" name="CustomShape 3"/>
+          <p:cNvPr id="96" name="CustomShape 3"/>
           <p:cNvSpPr/>
           <p:nvPr/>
         </p:nvSpPr>
         <p:spPr>
           <a:xfrm>
             <a:off x="8523000" y="4641480"/>
-            <a:ext cx="460080" cy="290880"/>
+            <a:ext cx="459360" cy="290160"/>
           </a:xfrm>
           <a:prstGeom prst="rect">
             <a:avLst/>
@@ -6981,7 +5886,7 @@
                 <a:tab algn="l" pos="0"/>
               </a:tabLst>
             </a:pPr>
-            <a:fld id="{9B73B4E5-179C-4F8C-BFE4-4E542B1FD317}" type="slidenum">
+            <a:fld id="{9A5D64B2-BDA4-4A9C-AB89-3EC3DD8C7F89}" type="slidenum">
               <a:rPr b="0" lang="en" sz="1000" spc="-1" strike="noStrike">
                 <a:solidFill>
                   <a:srgbClr val="ffffff"/>
@@ -7001,10 +5906,14 @@
   </p:cSld>
   <mc:AlternateContent>
     <mc:Choice Requires="p14">
-      <p:transition spd="slow" p14:dur="2000"/>
+      <p:transition p14:dur="300">
+        <p14:prism isInverted="true"/>
+      </p:transition>
     </mc:Choice>
     <mc:Fallback>
-      <p:transition spd="slow"/>
+      <p:transition>
+        <p:fade/>
+      </p:transition>
     </mc:Fallback>
   </mc:AlternateContent>
 </p:sld>
@@ -7029,14 +5938,14 @@
       </p:grpSpPr>
       <p:sp>
         <p:nvSpPr>
-          <p:cNvPr id="137" name="CustomShape 1"/>
+          <p:cNvPr id="97" name="CustomShape 1"/>
           <p:cNvSpPr/>
           <p:nvPr/>
         </p:nvSpPr>
         <p:spPr>
           <a:xfrm>
             <a:off x="404280" y="493920"/>
-            <a:ext cx="8228520" cy="412200"/>
+            <a:ext cx="8227800" cy="411480"/>
           </a:xfrm>
           <a:prstGeom prst="rect">
             <a:avLst/>
@@ -7055,14 +5964,14 @@
       </p:sp>
       <p:sp>
         <p:nvSpPr>
-          <p:cNvPr id="138" name="CustomShape 2"/>
+          <p:cNvPr id="98" name="CustomShape 2"/>
           <p:cNvSpPr/>
           <p:nvPr/>
         </p:nvSpPr>
         <p:spPr>
           <a:xfrm>
             <a:off x="416520" y="360000"/>
-            <a:ext cx="8177760" cy="4402800"/>
+            <a:ext cx="8177040" cy="4402080"/>
           </a:xfrm>
           <a:prstGeom prst="rect">
             <a:avLst/>
@@ -7095,6 +6004,16 @@
               </a:tabLst>
             </a:pPr>
             <a:r>
+              <a:rPr b="1" lang="en" sz="2800" spc="-1" strike="noStrike">
+                <a:solidFill>
+                  <a:srgbClr val="ffffff"/>
+                </a:solidFill>
+                <a:latin typeface="Courier New"/>
+                <a:ea typeface="Courier New"/>
+              </a:rPr>
+              <a:t>Lambda Functions</a:t>
+            </a:r>
+            <a:r>
               <a:rPr b="0" lang="en" sz="2400" spc="-1" strike="noStrike">
                 <a:solidFill>
                   <a:srgbClr val="ffffff"/>
@@ -7102,7 +6021,7 @@
                 <a:latin typeface="Courier New"/>
                 <a:ea typeface="Courier New"/>
               </a:rPr>
-              <a:t>Lambda Functions in java: short hand functions in java</a:t>
+              <a:t> : short hand functions in java</a:t>
             </a:r>
             <a:endParaRPr b="0" lang="en-IN" sz="2400" spc="-1" strike="noStrike">
               <a:latin typeface="Arial"/>
@@ -7307,15 +6226,10 @@
             </a:endParaRPr>
           </a:p>
           <a:p>
-            <a:pPr marL="457200" indent="-342000">
+            <a:pPr>
               <a:lnSpc>
                 <a:spcPct val="115000"/>
               </a:lnSpc>
-              <a:buClr>
-                <a:srgbClr val="ffffff"/>
-              </a:buClr>
-              <a:buFont typeface="Cousine"/>
-              <a:buChar char="▪"/>
               <a:tabLst>
                 <a:tab algn="l" pos="0"/>
               </a:tabLst>
@@ -7328,14 +6242,14 @@
       </p:sp>
       <p:sp>
         <p:nvSpPr>
-          <p:cNvPr id="139" name="CustomShape 3"/>
+          <p:cNvPr id="99" name="CustomShape 3"/>
           <p:cNvSpPr/>
           <p:nvPr/>
         </p:nvSpPr>
         <p:spPr>
           <a:xfrm>
             <a:off x="8523000" y="4641480"/>
-            <a:ext cx="460080" cy="290880"/>
+            <a:ext cx="459360" cy="290160"/>
           </a:xfrm>
           <a:prstGeom prst="rect">
             <a:avLst/>
@@ -7364,7 +6278,7 @@
                 <a:tab algn="l" pos="0"/>
               </a:tabLst>
             </a:pPr>
-            <a:fld id="{913333D6-338B-45A2-9FE6-F6F8A6BF1DB5}" type="slidenum">
+            <a:fld id="{721384AA-A7EE-4007-804E-105EA16E6B45}" type="slidenum">
               <a:rPr b="0" lang="en" sz="1000" spc="-1" strike="noStrike">
                 <a:solidFill>
                   <a:srgbClr val="ffffff"/>
@@ -7384,10 +6298,14 @@
   </p:cSld>
   <mc:AlternateContent>
     <mc:Choice Requires="p14">
-      <p:transition spd="slow" p14:dur="2000"/>
+      <p:transition p14:dur="300">
+        <p14:prism isInverted="true"/>
+      </p:transition>
     </mc:Choice>
     <mc:Fallback>
-      <p:transition spd="slow"/>
+      <p:transition>
+        <p:fade/>
+      </p:transition>
     </mc:Fallback>
   </mc:AlternateContent>
 </p:sld>
@@ -7412,14 +6330,14 @@
       </p:grpSpPr>
       <p:sp>
         <p:nvSpPr>
-          <p:cNvPr id="140" name="CustomShape 1"/>
+          <p:cNvPr id="100" name="CustomShape 1"/>
           <p:cNvSpPr/>
           <p:nvPr/>
         </p:nvSpPr>
         <p:spPr>
           <a:xfrm>
             <a:off x="921240" y="1284840"/>
-            <a:ext cx="7204680" cy="1158840"/>
+            <a:ext cx="7203960" cy="1158120"/>
           </a:xfrm>
           <a:prstGeom prst="rect">
             <a:avLst/>
@@ -7477,14 +6395,14 @@
       </p:sp>
       <p:sp>
         <p:nvSpPr>
-          <p:cNvPr id="141" name="CustomShape 2"/>
+          <p:cNvPr id="101" name="CustomShape 2"/>
           <p:cNvSpPr/>
           <p:nvPr/>
         </p:nvSpPr>
         <p:spPr>
           <a:xfrm>
             <a:off x="4698720" y="3108960"/>
-            <a:ext cx="3541320" cy="783720"/>
+            <a:ext cx="3540600" cy="783000"/>
           </a:xfrm>
           <a:prstGeom prst="rect">
             <a:avLst/>
@@ -7503,14 +6421,14 @@
       </p:sp>
       <p:sp>
         <p:nvSpPr>
-          <p:cNvPr id="142" name="CustomShape 3"/>
+          <p:cNvPr id="102" name="CustomShape 3"/>
           <p:cNvSpPr/>
           <p:nvPr/>
         </p:nvSpPr>
         <p:spPr>
           <a:xfrm>
             <a:off x="8523000" y="4641480"/>
-            <a:ext cx="460080" cy="290880"/>
+            <a:ext cx="459360" cy="290160"/>
           </a:xfrm>
           <a:prstGeom prst="rect">
             <a:avLst/>
@@ -7539,7 +6457,7 @@
                 <a:tab algn="l" pos="0"/>
               </a:tabLst>
             </a:pPr>
-            <a:fld id="{C9506461-31F3-49BB-9A1B-C09645846E42}" type="slidenum">
+            <a:fld id="{298FEC00-7600-4BEE-BECC-389FA09F9506}" type="slidenum">
               <a:rPr b="0" lang="en" sz="1000" spc="-1" strike="noStrike">
                 <a:solidFill>
                   <a:srgbClr val="ffffff"/>
@@ -7559,10 +6477,14 @@
   </p:cSld>
   <mc:AlternateContent>
     <mc:Choice Requires="p14">
-      <p:transition spd="slow" p14:dur="2000"/>
+      <p:transition p14:dur="300">
+        <p14:prism isInverted="true"/>
+      </p:transition>
     </mc:Choice>
     <mc:Fallback>
-      <p:transition spd="slow"/>
+      <p:transition>
+        <p:fade/>
+      </p:transition>
     </mc:Fallback>
   </mc:AlternateContent>
 </p:sld>
@@ -7587,14 +6509,14 @@
       </p:grpSpPr>
       <p:sp>
         <p:nvSpPr>
-          <p:cNvPr id="143" name="CustomShape 1"/>
+          <p:cNvPr id="103" name="CustomShape 1"/>
           <p:cNvSpPr/>
           <p:nvPr/>
         </p:nvSpPr>
         <p:spPr>
           <a:xfrm>
             <a:off x="404280" y="493920"/>
-            <a:ext cx="8228520" cy="412200"/>
+            <a:ext cx="8227800" cy="411480"/>
           </a:xfrm>
           <a:prstGeom prst="rect">
             <a:avLst/>
@@ -7613,14 +6535,14 @@
       </p:sp>
       <p:sp>
         <p:nvSpPr>
-          <p:cNvPr id="144" name="CustomShape 2"/>
+          <p:cNvPr id="104" name="CustomShape 2"/>
           <p:cNvSpPr/>
           <p:nvPr/>
         </p:nvSpPr>
         <p:spPr>
           <a:xfrm>
             <a:off x="416520" y="360000"/>
-            <a:ext cx="8177760" cy="4402800"/>
+            <a:ext cx="8177040" cy="4402080"/>
           </a:xfrm>
           <a:prstGeom prst="rect">
             <a:avLst/>
@@ -7653,6 +6575,16 @@
               </a:tabLst>
             </a:pPr>
             <a:r>
+              <a:rPr b="1" lang="en" sz="2800" spc="-1" strike="noStrike">
+                <a:solidFill>
+                  <a:srgbClr val="ffffff"/>
+                </a:solidFill>
+                <a:latin typeface="Courier New"/>
+                <a:ea typeface="Courier New"/>
+              </a:rPr>
+              <a:t>Method reference operator</a:t>
+            </a:r>
+            <a:r>
               <a:rPr b="0" lang="en" sz="2400" spc="-1" strike="noStrike">
                 <a:solidFill>
                   <a:srgbClr val="ffffff"/>
@@ -7660,7 +6592,7 @@
                 <a:latin typeface="Courier New"/>
                 <a:ea typeface="Courier New"/>
               </a:rPr>
-              <a:t>Method reference operator is used to call a method by referring to it with the help of its class directly.</a:t>
+              <a:t> is used to call a method by referring to it with the help of its class directly.</a:t>
             </a:r>
             <a:endParaRPr b="0" lang="en-IN" sz="2400" spc="-1" strike="noStrike">
               <a:latin typeface="Arial"/>
@@ -7774,14 +6706,14 @@
       </p:sp>
       <p:sp>
         <p:nvSpPr>
-          <p:cNvPr id="145" name="CustomShape 3"/>
+          <p:cNvPr id="105" name="CustomShape 3"/>
           <p:cNvSpPr/>
           <p:nvPr/>
         </p:nvSpPr>
         <p:spPr>
           <a:xfrm>
             <a:off x="8523000" y="4641480"/>
-            <a:ext cx="460080" cy="290880"/>
+            <a:ext cx="459360" cy="290160"/>
           </a:xfrm>
           <a:prstGeom prst="rect">
             <a:avLst/>
@@ -7810,7 +6742,7 @@
                 <a:tab algn="l" pos="0"/>
               </a:tabLst>
             </a:pPr>
-            <a:fld id="{B2688B48-53AB-43DC-AA9A-78CCFBED4A93}" type="slidenum">
+            <a:fld id="{54BB0B68-8528-43B1-A955-EED5947C45DE}" type="slidenum">
               <a:rPr b="0" lang="en" sz="1000" spc="-1" strike="noStrike">
                 <a:solidFill>
                   <a:srgbClr val="ffffff"/>
@@ -7830,10 +6762,14 @@
   </p:cSld>
   <mc:AlternateContent>
     <mc:Choice Requires="p14">
-      <p:transition spd="slow" p14:dur="2000"/>
+      <p:transition p14:dur="300">
+        <p14:prism isInverted="true"/>
+      </p:transition>
     </mc:Choice>
     <mc:Fallback>
-      <p:transition spd="slow"/>
+      <p:transition>
+        <p:fade/>
+      </p:transition>
     </mc:Fallback>
   </mc:AlternateContent>
 </p:sld>
@@ -7858,14 +6794,14 @@
       </p:grpSpPr>
       <p:sp>
         <p:nvSpPr>
-          <p:cNvPr id="146" name="CustomShape 1"/>
+          <p:cNvPr id="106" name="CustomShape 1"/>
           <p:cNvSpPr/>
           <p:nvPr/>
         </p:nvSpPr>
         <p:spPr>
           <a:xfrm>
             <a:off x="404280" y="493920"/>
-            <a:ext cx="8228520" cy="412200"/>
+            <a:ext cx="8227800" cy="411480"/>
           </a:xfrm>
           <a:prstGeom prst="rect">
             <a:avLst/>
@@ -7884,14 +6820,14 @@
       </p:sp>
       <p:sp>
         <p:nvSpPr>
-          <p:cNvPr id="147" name="CustomShape 2"/>
+          <p:cNvPr id="107" name="CustomShape 2"/>
           <p:cNvSpPr/>
           <p:nvPr/>
         </p:nvSpPr>
         <p:spPr>
           <a:xfrm>
             <a:off x="416520" y="360000"/>
-            <a:ext cx="8177760" cy="4402800"/>
+            <a:ext cx="8177040" cy="4402080"/>
           </a:xfrm>
           <a:prstGeom prst="rect">
             <a:avLst/>
@@ -8019,7 +6955,7 @@
                 <a:latin typeface="Courier New"/>
                 <a:ea typeface="Courier New"/>
               </a:rPr>
-              <a:t>2.to refer non static(Instance) method in a class or other classs</a:t>
+              <a:t>2.to refer non static(Instance) method        in a class or other classs</a:t>
             </a:r>
             <a:endParaRPr b="0" lang="en-IN" sz="2400" spc="-1" strike="noStrike">
               <a:latin typeface="Arial"/>
@@ -8055,7 +6991,7 @@
                 <a:latin typeface="Courier New"/>
                 <a:ea typeface="Courier New"/>
               </a:rPr>
-              <a:t>3.to refer non static(Instance) method of already existing object</a:t>
+              <a:t>3.to refer non static(Instance) method        of already existing object</a:t>
             </a:r>
             <a:endParaRPr b="0" lang="en-IN" sz="2400" spc="-1" strike="noStrike">
               <a:latin typeface="Arial"/>
@@ -8091,7 +7027,7 @@
                 <a:latin typeface="Courier New"/>
                 <a:ea typeface="Courier New"/>
               </a:rPr>
-              <a:t>4.to refer constructor syntax:classname::new</a:t>
+              <a:t>4.to refer constructor</a:t>
             </a:r>
             <a:endParaRPr b="0" lang="en-IN" sz="2400" spc="-1" strike="noStrike">
               <a:latin typeface="Arial"/>
@@ -8166,14 +7102,14 @@
       </p:sp>
       <p:sp>
         <p:nvSpPr>
-          <p:cNvPr id="148" name="CustomShape 3"/>
+          <p:cNvPr id="108" name="CustomShape 3"/>
           <p:cNvSpPr/>
           <p:nvPr/>
         </p:nvSpPr>
         <p:spPr>
           <a:xfrm>
             <a:off x="8523000" y="4641480"/>
-            <a:ext cx="460080" cy="290880"/>
+            <a:ext cx="459360" cy="290160"/>
           </a:xfrm>
           <a:prstGeom prst="rect">
             <a:avLst/>
@@ -8202,7 +7138,7 @@
                 <a:tab algn="l" pos="0"/>
               </a:tabLst>
             </a:pPr>
-            <a:fld id="{5B08FD3D-F21A-4392-A879-A552A44AF3A6}" type="slidenum">
+            <a:fld id="{3914444D-AD5A-45E0-9787-1F8AB6AB15B1}" type="slidenum">
               <a:rPr b="0" lang="en" sz="1000" spc="-1" strike="noStrike">
                 <a:solidFill>
                   <a:srgbClr val="ffffff"/>
@@ -8222,10 +7158,14 @@
   </p:cSld>
   <mc:AlternateContent>
     <mc:Choice Requires="p14">
-      <p:transition spd="slow" p14:dur="2000"/>
+      <p:transition p14:dur="300">
+        <p14:prism isInverted="true"/>
+      </p:transition>
     </mc:Choice>
     <mc:Fallback>
-      <p:transition spd="slow"/>
+      <p:transition>
+        <p:fade/>
+      </p:transition>
     </mc:Fallback>
   </mc:AlternateContent>
 </p:sld>
@@ -8250,14 +7190,14 @@
       </p:grpSpPr>
       <p:sp>
         <p:nvSpPr>
-          <p:cNvPr id="149" name="CustomShape 1"/>
+          <p:cNvPr id="109" name="CustomShape 1"/>
           <p:cNvSpPr/>
           <p:nvPr/>
         </p:nvSpPr>
         <p:spPr>
           <a:xfrm>
             <a:off x="921240" y="1284840"/>
-            <a:ext cx="7204680" cy="1158840"/>
+            <a:ext cx="7203960" cy="1158120"/>
           </a:xfrm>
           <a:prstGeom prst="rect">
             <a:avLst/>
@@ -8315,14 +7255,14 @@
       </p:sp>
       <p:sp>
         <p:nvSpPr>
-          <p:cNvPr id="150" name="CustomShape 2"/>
+          <p:cNvPr id="110" name="CustomShape 2"/>
           <p:cNvSpPr/>
           <p:nvPr/>
         </p:nvSpPr>
         <p:spPr>
           <a:xfrm>
             <a:off x="4698720" y="3108960"/>
-            <a:ext cx="3541320" cy="783720"/>
+            <a:ext cx="3540600" cy="783000"/>
           </a:xfrm>
           <a:prstGeom prst="rect">
             <a:avLst/>
@@ -8341,14 +7281,14 @@
       </p:sp>
       <p:sp>
         <p:nvSpPr>
-          <p:cNvPr id="151" name="CustomShape 3"/>
+          <p:cNvPr id="111" name="CustomShape 3"/>
           <p:cNvSpPr/>
           <p:nvPr/>
         </p:nvSpPr>
         <p:spPr>
           <a:xfrm>
             <a:off x="8523000" y="4641480"/>
-            <a:ext cx="460080" cy="290880"/>
+            <a:ext cx="459360" cy="290160"/>
           </a:xfrm>
           <a:prstGeom prst="rect">
             <a:avLst/>
@@ -8377,7 +7317,7 @@
                 <a:tab algn="l" pos="0"/>
               </a:tabLst>
             </a:pPr>
-            <a:fld id="{CAFE62CB-1B41-4A77-9E08-0C3AF8E1831E}" type="slidenum">
+            <a:fld id="{1067C0E7-80B6-423C-B82A-EE2DE731474A}" type="slidenum">
               <a:rPr b="0" lang="en" sz="1000" spc="-1" strike="noStrike">
                 <a:solidFill>
                   <a:srgbClr val="ffffff"/>
@@ -8397,10 +7337,14 @@
   </p:cSld>
   <mc:AlternateContent>
     <mc:Choice Requires="p14">
-      <p:transition spd="slow" p14:dur="2000"/>
+      <p:transition p14:dur="300">
+        <p14:prism isInverted="true"/>
+      </p:transition>
     </mc:Choice>
     <mc:Fallback>
-      <p:transition spd="slow"/>
+      <p:transition>
+        <p:fade/>
+      </p:transition>
     </mc:Fallback>
   </mc:AlternateContent>
 </p:sld>
@@ -8856,230 +7800,4 @@
     </a:fmtScheme>
   </a:themeElements>
 </a:theme>
-</file>
-
-<file path=ppt/theme/theme3.xml><?xml version="1.0" encoding="utf-8"?>
-<a:theme xmlns:a="http://schemas.openxmlformats.org/drawingml/2006/main" name="Office Theme">
-  <a:themeElements>
-    <a:clrScheme name="Office">
-      <a:dk1>
-        <a:sysClr val="windowText" lastClr="000000"/>
-      </a:dk1>
-      <a:lt1>
-        <a:sysClr val="window" lastClr="FFFFFF"/>
-      </a:lt1>
-      <a:dk2>
-        <a:srgbClr val="565f6f"/>
-      </a:dk2>
-      <a:lt2>
-        <a:srgbClr val="dfe3e9"/>
-      </a:lt2>
-      <a:accent1>
-        <a:srgbClr val="3d85c6"/>
-      </a:accent1>
-      <a:accent2>
-        <a:srgbClr val="6fa8dc"/>
-      </a:accent2>
-      <a:accent3>
-        <a:srgbClr val="9fc5e8"/>
-      </a:accent3>
-      <a:accent4>
-        <a:srgbClr val="cfe2f3"/>
-      </a:accent4>
-      <a:accent5>
-        <a:srgbClr val="d9d9d9"/>
-      </a:accent5>
-      <a:accent6>
-        <a:srgbClr val="999999"/>
-      </a:accent6>
-      <a:hlink>
-        <a:srgbClr val="ffffff"/>
-      </a:hlink>
-      <a:folHlink>
-        <a:srgbClr val="6611cc"/>
-      </a:folHlink>
-    </a:clrScheme>
-    <a:fontScheme name="Office">
-      <a:majorFont>
-        <a:latin typeface="Arial"/>
-        <a:ea typeface="DejaVu Sans"/>
-        <a:cs typeface="DejaVu Sans"/>
-      </a:majorFont>
-      <a:minorFont>
-        <a:latin typeface="Arial"/>
-        <a:ea typeface="DejaVu Sans"/>
-        <a:cs typeface="DejaVu Sans"/>
-      </a:minorFont>
-    </a:fontScheme>
-    <a:fmtScheme name="Office">
-      <a:fillStyleLst>
-        <a:solidFill>
-          <a:schemeClr val="phClr"/>
-        </a:solidFill>
-        <a:gradFill rotWithShape="1">
-          <a:gsLst>
-            <a:gs pos="0">
-              <a:schemeClr val="phClr">
-                <a:tint val="50000"/>
-                <a:satMod val="300000"/>
-              </a:schemeClr>
-            </a:gs>
-            <a:gs pos="35000">
-              <a:schemeClr val="phClr">
-                <a:tint val="37000"/>
-                <a:satMod val="300000"/>
-              </a:schemeClr>
-            </a:gs>
-            <a:gs pos="100000">
-              <a:schemeClr val="phClr">
-                <a:tint val="15000"/>
-                <a:satMod val="350000"/>
-              </a:schemeClr>
-            </a:gs>
-          </a:gsLst>
-          <a:lin ang="16200000" scaled="1"/>
-        </a:gradFill>
-        <a:gradFill rotWithShape="1">
-          <a:gsLst>
-            <a:gs pos="0">
-              <a:schemeClr val="phClr">
-                <a:shade val="51000"/>
-                <a:satMod val="130000"/>
-              </a:schemeClr>
-            </a:gs>
-            <a:gs pos="80000">
-              <a:schemeClr val="phClr">
-                <a:shade val="93000"/>
-                <a:satMod val="130000"/>
-              </a:schemeClr>
-            </a:gs>
-            <a:gs pos="100000">
-              <a:schemeClr val="phClr">
-                <a:shade val="94000"/>
-                <a:satMod val="135000"/>
-              </a:schemeClr>
-            </a:gs>
-          </a:gsLst>
-          <a:lin ang="16200000" scaled="0"/>
-        </a:gradFill>
-      </a:fillStyleLst>
-      <a:lnStyleLst>
-        <a:ln w="9525" cap="flat" cmpd="sng" algn="ctr">
-          <a:solidFill>
-            <a:schemeClr val="phClr">
-              <a:shade val="95000"/>
-              <a:satMod val="105000"/>
-            </a:schemeClr>
-          </a:solidFill>
-          <a:prstDash val="solid"/>
-          <a:miter/>
-        </a:ln>
-        <a:ln w="25400" cap="flat" cmpd="sng" algn="ctr">
-          <a:solidFill>
-            <a:schemeClr val="phClr"/>
-          </a:solidFill>
-          <a:prstDash val="solid"/>
-          <a:miter/>
-        </a:ln>
-        <a:ln w="38100" cap="flat" cmpd="sng" algn="ctr">
-          <a:solidFill>
-            <a:schemeClr val="phClr"/>
-          </a:solidFill>
-          <a:prstDash val="solid"/>
-          <a:miter/>
-        </a:ln>
-      </a:lnStyleLst>
-      <a:effectStyleLst>
-        <a:effectStyle>
-          <a:effectLst>
-            <a:outerShdw blurRad="40000" dist="20000" dir="5400000" rotWithShape="0">
-              <a:srgbClr val="000000">
-                <a:alpha val="38000"/>
-              </a:srgbClr>
-            </a:outerShdw>
-          </a:effectLst>
-        </a:effectStyle>
-        <a:effectStyle>
-          <a:effectLst>
-            <a:outerShdw blurRad="40000" dist="23000" dir="5400000" rotWithShape="0">
-              <a:srgbClr val="000000">
-                <a:alpha val="35000"/>
-              </a:srgbClr>
-            </a:outerShdw>
-          </a:effectLst>
-        </a:effectStyle>
-        <a:effectStyle>
-          <a:effectLst>
-            <a:outerShdw blurRad="40000" dist="23000" dir="5400000" rotWithShape="0">
-              <a:srgbClr val="000000">
-                <a:alpha val="35000"/>
-              </a:srgbClr>
-            </a:outerShdw>
-          </a:effectLst>
-          <a:scene3d>
-            <a:camera prst="orthographicFront">
-              <a:rot lat="0" lon="0" rev="0"/>
-            </a:camera>
-            <a:lightRig rig="threePt" dir="t">
-              <a:rot lat="0" lon="0" rev="1200000"/>
-            </a:lightRig>
-          </a:scene3d>
-          <a:sp3d>
-            <a:bevelT w="63500" h="25400"/>
-          </a:sp3d>
-        </a:effectStyle>
-      </a:effectStyleLst>
-      <a:bgFillStyleLst>
-        <a:solidFill>
-          <a:schemeClr val="phClr"/>
-        </a:solidFill>
-        <a:gradFill rotWithShape="1">
-          <a:gsLst>
-            <a:gs pos="0">
-              <a:schemeClr val="phClr">
-                <a:tint val="40000"/>
-                <a:satMod val="350000"/>
-              </a:schemeClr>
-            </a:gs>
-            <a:gs pos="40000">
-              <a:schemeClr val="phClr">
-                <a:tint val="45000"/>
-                <a:shade val="99000"/>
-                <a:satMod val="350000"/>
-              </a:schemeClr>
-            </a:gs>
-            <a:gs pos="100000">
-              <a:schemeClr val="phClr">
-                <a:shade val="20000"/>
-                <a:satMod val="255000"/>
-              </a:schemeClr>
-            </a:gs>
-          </a:gsLst>
-          <a:path path="circle">
-            <a:fillToRect l="50000" t="-80000" r="50000" b="180000"/>
-          </a:path>
-        </a:gradFill>
-        <a:gradFill rotWithShape="1">
-          <a:gsLst>
-            <a:gs pos="0">
-              <a:schemeClr val="phClr">
-                <a:tint val="80000"/>
-                <a:satMod val="300000"/>
-              </a:schemeClr>
-            </a:gs>
-            <a:gs pos="100000">
-              <a:schemeClr val="phClr">
-                <a:shade val="30000"/>
-                <a:satMod val="200000"/>
-              </a:schemeClr>
-            </a:gs>
-          </a:gsLst>
-          <a:path path="circle">
-            <a:fillToRect l="50000" t="50000" r="50000" b="50000"/>
-          </a:path>
-        </a:gradFill>
-      </a:bgFillStyleLst>
-    </a:fmtScheme>
-  </a:themeElements>
-</a:theme>
 </file>